--- a/trabajos practicos/office-integracion/tp2/MEGA-MEDIOS.pptx
+++ b/trabajos practicos/office-integracion/tp2/MEGA-MEDIOS.pptx
@@ -12,6 +12,7 @@
     <p:sldId id="260" r:id="rId6"/>
     <p:sldId id="261" r:id="rId7"/>
     <p:sldId id="262" r:id="rId8"/>
+    <p:sldId id="263" r:id="rId9"/>
   </p:sldIdLst>
   <p:sldSz cx="9144000" cy="6858000" type="screen4x3"/>
   <p:notesSz cx="6858000" cy="9144000"/>
@@ -157,6 +158,2295 @@
     </p:ext>
   </p:extLst>
 </p:presentation>
+</file>
+
+<file path=ppt/charts/chart1.xml><?xml version="1.0" encoding="utf-8"?>
+<c:chartSpace xmlns:c="http://schemas.openxmlformats.org/drawingml/2006/chart" xmlns:a="http://schemas.openxmlformats.org/drawingml/2006/main" xmlns:r="http://schemas.openxmlformats.org/officeDocument/2006/relationships" xmlns:c16r2="http://schemas.microsoft.com/office/drawing/2015/06/chart">
+  <c:date1904 val="0"/>
+  <c:lang val="es-MX"/>
+  <c:roundedCorners val="0"/>
+  <mc:AlternateContent xmlns:mc="http://schemas.openxmlformats.org/markup-compatibility/2006">
+    <mc:Choice xmlns:c14="http://schemas.microsoft.com/office/drawing/2007/8/2/chart" Requires="c14">
+      <c14:style val="102"/>
+    </mc:Choice>
+    <mc:Fallback>
+      <c:style val="2"/>
+    </mc:Fallback>
+  </mc:AlternateContent>
+  <c:chart>
+    <c:title>
+      <c:tx>
+        <c:rich>
+          <a:bodyPr rot="0" spcFirstLastPara="1" vertOverflow="ellipsis" vert="horz" wrap="square" anchor="ctr" anchorCtr="1"/>
+          <a:lstStyle/>
+          <a:p>
+            <a:pPr>
+              <a:defRPr sz="1400" b="0" i="0" u="none" strike="noStrike" kern="1200" spc="0" baseline="0">
+                <a:solidFill>
+                  <a:schemeClr val="tx1">
+                    <a:lumMod val="65000"/>
+                    <a:lumOff val="35000"/>
+                  </a:schemeClr>
+                </a:solidFill>
+                <a:latin typeface="+mn-lt"/>
+                <a:ea typeface="+mn-ea"/>
+                <a:cs typeface="+mn-cs"/>
+              </a:defRPr>
+            </a:pPr>
+            <a:r>
+              <a:rPr lang="en-US" b="1"/>
+              <a:t>%</a:t>
+            </a:r>
+            <a:r>
+              <a:rPr lang="en-US" b="1" baseline="0"/>
+              <a:t> Oscares ganados</a:t>
+            </a:r>
+            <a:endParaRPr lang="en-US" b="1"/>
+          </a:p>
+        </c:rich>
+      </c:tx>
+      <c:layout>
+        <c:manualLayout>
+          <c:xMode val="edge"/>
+          <c:yMode val="edge"/>
+          <c:x val="0.2513471128608924"/>
+          <c:y val="2.7777777777777776E-2"/>
+        </c:manualLayout>
+      </c:layout>
+      <c:overlay val="0"/>
+      <c:spPr>
+        <a:noFill/>
+        <a:ln>
+          <a:noFill/>
+        </a:ln>
+        <a:effectLst/>
+      </c:spPr>
+      <c:txPr>
+        <a:bodyPr rot="0" spcFirstLastPara="1" vertOverflow="ellipsis" vert="horz" wrap="square" anchor="ctr" anchorCtr="1"/>
+        <a:lstStyle/>
+        <a:p>
+          <a:pPr>
+            <a:defRPr sz="1400" b="0" i="0" u="none" strike="noStrike" kern="1200" spc="0" baseline="0">
+              <a:solidFill>
+                <a:schemeClr val="tx1">
+                  <a:lumMod val="65000"/>
+                  <a:lumOff val="35000"/>
+                </a:schemeClr>
+              </a:solidFill>
+              <a:latin typeface="+mn-lt"/>
+              <a:ea typeface="+mn-ea"/>
+              <a:cs typeface="+mn-cs"/>
+            </a:defRPr>
+          </a:pPr>
+          <a:endParaRPr lang="en-US"/>
+        </a:p>
+      </c:txPr>
+    </c:title>
+    <c:autoTitleDeleted val="0"/>
+    <c:view3D>
+      <c:rotX val="30"/>
+      <c:rotY val="0"/>
+      <c:depthPercent val="100"/>
+      <c:rAngAx val="0"/>
+    </c:view3D>
+    <c:floor>
+      <c:thickness val="0"/>
+      <c:spPr>
+        <a:noFill/>
+        <a:ln>
+          <a:noFill/>
+        </a:ln>
+        <a:effectLst/>
+        <a:sp3d/>
+      </c:spPr>
+    </c:floor>
+    <c:sideWall>
+      <c:thickness val="0"/>
+      <c:spPr>
+        <a:noFill/>
+        <a:ln>
+          <a:noFill/>
+        </a:ln>
+        <a:effectLst/>
+        <a:sp3d/>
+      </c:spPr>
+    </c:sideWall>
+    <c:backWall>
+      <c:thickness val="0"/>
+      <c:spPr>
+        <a:noFill/>
+        <a:ln>
+          <a:noFill/>
+        </a:ln>
+        <a:effectLst/>
+        <a:sp3d/>
+      </c:spPr>
+    </c:backWall>
+    <c:plotArea>
+      <c:layout>
+        <c:manualLayout>
+          <c:layoutTarget val="inner"/>
+          <c:xMode val="edge"/>
+          <c:yMode val="edge"/>
+          <c:x val="9.0411944089510338E-2"/>
+          <c:y val="0.20217243711876356"/>
+          <c:w val="0.82776440881240421"/>
+          <c:h val="0.69842221962382756"/>
+        </c:manualLayout>
+      </c:layout>
+      <c:pie3DChart>
+        <c:varyColors val="1"/>
+        <c:ser>
+          <c:idx val="0"/>
+          <c:order val="0"/>
+          <c:dPt>
+            <c:idx val="0"/>
+            <c:bubble3D val="0"/>
+            <c:spPr>
+              <a:solidFill>
+                <a:schemeClr val="accent1"/>
+              </a:solidFill>
+              <a:ln w="25400">
+                <a:solidFill>
+                  <a:schemeClr val="lt1"/>
+                </a:solidFill>
+              </a:ln>
+              <a:effectLst/>
+              <a:sp3d contourW="25400">
+                <a:contourClr>
+                  <a:schemeClr val="lt1"/>
+                </a:contourClr>
+              </a:sp3d>
+            </c:spPr>
+            <c:extLst>
+              <c:ext xmlns:c16="http://schemas.microsoft.com/office/drawing/2014/chart" uri="{C3380CC4-5D6E-409C-BE32-E72D297353CC}">
+                <c16:uniqueId val="{00000001-05E3-40E7-8938-DDC531BAE12B}"/>
+              </c:ext>
+            </c:extLst>
+          </c:dPt>
+          <c:dPt>
+            <c:idx val="1"/>
+            <c:bubble3D val="0"/>
+            <c:spPr>
+              <a:solidFill>
+                <a:schemeClr val="accent2"/>
+              </a:solidFill>
+              <a:ln w="25400">
+                <a:solidFill>
+                  <a:schemeClr val="lt1"/>
+                </a:solidFill>
+              </a:ln>
+              <a:effectLst/>
+              <a:sp3d contourW="25400">
+                <a:contourClr>
+                  <a:schemeClr val="lt1"/>
+                </a:contourClr>
+              </a:sp3d>
+            </c:spPr>
+            <c:extLst>
+              <c:ext xmlns:c16="http://schemas.microsoft.com/office/drawing/2014/chart" uri="{C3380CC4-5D6E-409C-BE32-E72D297353CC}">
+                <c16:uniqueId val="{00000003-05E3-40E7-8938-DDC531BAE12B}"/>
+              </c:ext>
+            </c:extLst>
+          </c:dPt>
+          <c:dPt>
+            <c:idx val="2"/>
+            <c:bubble3D val="0"/>
+            <c:spPr>
+              <a:solidFill>
+                <a:schemeClr val="accent3"/>
+              </a:solidFill>
+              <a:ln w="25400">
+                <a:solidFill>
+                  <a:schemeClr val="lt1"/>
+                </a:solidFill>
+              </a:ln>
+              <a:effectLst/>
+              <a:sp3d contourW="25400">
+                <a:contourClr>
+                  <a:schemeClr val="lt1"/>
+                </a:contourClr>
+              </a:sp3d>
+            </c:spPr>
+            <c:extLst>
+              <c:ext xmlns:c16="http://schemas.microsoft.com/office/drawing/2014/chart" uri="{C3380CC4-5D6E-409C-BE32-E72D297353CC}">
+                <c16:uniqueId val="{00000005-05E3-40E7-8938-DDC531BAE12B}"/>
+              </c:ext>
+            </c:extLst>
+          </c:dPt>
+          <c:dPt>
+            <c:idx val="3"/>
+            <c:bubble3D val="0"/>
+            <c:spPr>
+              <a:solidFill>
+                <a:schemeClr val="accent4"/>
+              </a:solidFill>
+              <a:ln w="25400">
+                <a:solidFill>
+                  <a:schemeClr val="lt1"/>
+                </a:solidFill>
+              </a:ln>
+              <a:effectLst/>
+              <a:sp3d contourW="25400">
+                <a:contourClr>
+                  <a:schemeClr val="lt1"/>
+                </a:contourClr>
+              </a:sp3d>
+            </c:spPr>
+            <c:extLst>
+              <c:ext xmlns:c16="http://schemas.microsoft.com/office/drawing/2014/chart" uri="{C3380CC4-5D6E-409C-BE32-E72D297353CC}">
+                <c16:uniqueId val="{00000007-05E3-40E7-8938-DDC531BAE12B}"/>
+              </c:ext>
+            </c:extLst>
+          </c:dPt>
+          <c:dPt>
+            <c:idx val="4"/>
+            <c:bubble3D val="0"/>
+            <c:spPr>
+              <a:solidFill>
+                <a:schemeClr val="accent5"/>
+              </a:solidFill>
+              <a:ln w="25400">
+                <a:solidFill>
+                  <a:schemeClr val="lt1"/>
+                </a:solidFill>
+              </a:ln>
+              <a:effectLst/>
+              <a:sp3d contourW="25400">
+                <a:contourClr>
+                  <a:schemeClr val="lt1"/>
+                </a:contourClr>
+              </a:sp3d>
+            </c:spPr>
+            <c:extLst>
+              <c:ext xmlns:c16="http://schemas.microsoft.com/office/drawing/2014/chart" uri="{C3380CC4-5D6E-409C-BE32-E72D297353CC}">
+                <c16:uniqueId val="{00000009-05E3-40E7-8938-DDC531BAE12B}"/>
+              </c:ext>
+            </c:extLst>
+          </c:dPt>
+          <c:dPt>
+            <c:idx val="5"/>
+            <c:bubble3D val="0"/>
+            <c:spPr>
+              <a:solidFill>
+                <a:schemeClr val="accent6"/>
+              </a:solidFill>
+              <a:ln w="25400">
+                <a:solidFill>
+                  <a:schemeClr val="lt1"/>
+                </a:solidFill>
+              </a:ln>
+              <a:effectLst/>
+              <a:sp3d contourW="25400">
+                <a:contourClr>
+                  <a:schemeClr val="lt1"/>
+                </a:contourClr>
+              </a:sp3d>
+            </c:spPr>
+            <c:extLst>
+              <c:ext xmlns:c16="http://schemas.microsoft.com/office/drawing/2014/chart" uri="{C3380CC4-5D6E-409C-BE32-E72D297353CC}">
+                <c16:uniqueId val="{0000000B-05E3-40E7-8938-DDC531BAE12B}"/>
+              </c:ext>
+            </c:extLst>
+          </c:dPt>
+          <c:dLbls>
+            <c:dLbl>
+              <c:idx val="0"/>
+              <c:layout>
+                <c:manualLayout>
+                  <c:x val="3.881049119564231E-2"/>
+                  <c:y val="4.8555959658648631E-2"/>
+                </c:manualLayout>
+              </c:layout>
+              <c:spPr>
+                <a:noFill/>
+                <a:ln>
+                  <a:solidFill>
+                    <a:sysClr val="windowText" lastClr="000000">
+                      <a:lumMod val="25000"/>
+                      <a:lumOff val="75000"/>
+                    </a:sysClr>
+                  </a:solidFill>
+                </a:ln>
+                <a:effectLst/>
+              </c:spPr>
+              <c:txPr>
+                <a:bodyPr rot="0" spcFirstLastPara="1" vertOverflow="clip" horzOverflow="clip" vert="horz" wrap="square" lIns="38100" tIns="19050" rIns="38100" bIns="19050" anchor="ctr" anchorCtr="1">
+                  <a:noAutofit/>
+                </a:bodyPr>
+                <a:lstStyle/>
+                <a:p>
+                  <a:pPr>
+                    <a:defRPr sz="900" b="0" i="0" u="none" strike="noStrike" kern="1200" baseline="0">
+                      <a:solidFill>
+                        <a:srgbClr val="FF0000"/>
+                      </a:solidFill>
+                      <a:latin typeface="+mn-lt"/>
+                      <a:ea typeface="+mn-ea"/>
+                      <a:cs typeface="+mn-cs"/>
+                    </a:defRPr>
+                  </a:pPr>
+                  <a:endParaRPr lang="en-US"/>
+                </a:p>
+              </c:txPr>
+              <c:dLblPos val="bestFit"/>
+              <c:showLegendKey val="0"/>
+              <c:showVal val="0"/>
+              <c:showCatName val="1"/>
+              <c:showSerName val="0"/>
+              <c:showPercent val="1"/>
+              <c:showBubbleSize val="0"/>
+              <c:extLst>
+                <c:ext xmlns:c15="http://schemas.microsoft.com/office/drawing/2012/chart" uri="{CE6537A1-D6FC-4f65-9D91-7224C49458BB}">
+                  <c15:spPr xmlns:c15="http://schemas.microsoft.com/office/drawing/2012/chart">
+                    <a:prstGeom prst="wedgeRectCallout">
+                      <a:avLst/>
+                    </a:prstGeom>
+                    <a:noFill/>
+                    <a:ln>
+                      <a:noFill/>
+                    </a:ln>
+                  </c15:spPr>
+                  <c15:layout>
+                    <c:manualLayout>
+                      <c:w val="0.12854104173610337"/>
+                      <c:h val="0.25458788781404823"/>
+                    </c:manualLayout>
+                  </c15:layout>
+                </c:ext>
+                <c:ext xmlns:c16="http://schemas.microsoft.com/office/drawing/2014/chart" uri="{C3380CC4-5D6E-409C-BE32-E72D297353CC}">
+                  <c16:uniqueId val="{00000001-05E3-40E7-8938-DDC531BAE12B}"/>
+                </c:ext>
+              </c:extLst>
+            </c:dLbl>
+            <c:dLbl>
+              <c:idx val="1"/>
+              <c:layout>
+                <c:manualLayout>
+                  <c:x val="0.10031346311661885"/>
+                  <c:y val="-4.7267348652213735E-2"/>
+                </c:manualLayout>
+              </c:layout>
+              <c:spPr>
+                <a:noFill/>
+                <a:ln>
+                  <a:solidFill>
+                    <a:sysClr val="windowText" lastClr="000000">
+                      <a:lumMod val="25000"/>
+                      <a:lumOff val="75000"/>
+                    </a:sysClr>
+                  </a:solidFill>
+                </a:ln>
+                <a:effectLst/>
+              </c:spPr>
+              <c:txPr>
+                <a:bodyPr rot="0" spcFirstLastPara="1" vertOverflow="clip" horzOverflow="clip" vert="horz" wrap="square" lIns="38100" tIns="19050" rIns="38100" bIns="19050" anchor="ctr" anchorCtr="1">
+                  <a:spAutoFit/>
+                </a:bodyPr>
+                <a:lstStyle/>
+                <a:p>
+                  <a:pPr>
+                    <a:defRPr sz="900" b="0" i="0" u="none" strike="noStrike" kern="1200" baseline="0">
+                      <a:solidFill>
+                        <a:srgbClr val="FF0000"/>
+                      </a:solidFill>
+                      <a:latin typeface="+mn-lt"/>
+                      <a:ea typeface="+mn-ea"/>
+                      <a:cs typeface="+mn-cs"/>
+                    </a:defRPr>
+                  </a:pPr>
+                  <a:endParaRPr lang="en-US"/>
+                </a:p>
+              </c:txPr>
+              <c:dLblPos val="bestFit"/>
+              <c:showLegendKey val="0"/>
+              <c:showVal val="0"/>
+              <c:showCatName val="1"/>
+              <c:showSerName val="0"/>
+              <c:showPercent val="1"/>
+              <c:showBubbleSize val="0"/>
+              <c:extLst>
+                <c:ext xmlns:c15="http://schemas.microsoft.com/office/drawing/2012/chart" uri="{CE6537A1-D6FC-4f65-9D91-7224C49458BB}">
+                  <c15:spPr xmlns:c15="http://schemas.microsoft.com/office/drawing/2012/chart">
+                    <a:prstGeom prst="wedgeRectCallout">
+                      <a:avLst/>
+                    </a:prstGeom>
+                    <a:noFill/>
+                    <a:ln>
+                      <a:noFill/>
+                    </a:ln>
+                  </c15:spPr>
+                </c:ext>
+                <c:ext xmlns:c16="http://schemas.microsoft.com/office/drawing/2014/chart" uri="{C3380CC4-5D6E-409C-BE32-E72D297353CC}">
+                  <c16:uniqueId val="{00000003-05E3-40E7-8938-DDC531BAE12B}"/>
+                </c:ext>
+              </c:extLst>
+            </c:dLbl>
+            <c:dLbl>
+              <c:idx val="2"/>
+              <c:layout>
+                <c:manualLayout>
+                  <c:x val="4.7222222222222221E-2"/>
+                  <c:y val="-1.8518518518518517E-2"/>
+                </c:manualLayout>
+              </c:layout>
+              <c:spPr>
+                <a:noFill/>
+                <a:ln>
+                  <a:solidFill>
+                    <a:sysClr val="windowText" lastClr="000000">
+                      <a:lumMod val="25000"/>
+                      <a:lumOff val="75000"/>
+                    </a:sysClr>
+                  </a:solidFill>
+                </a:ln>
+                <a:effectLst/>
+              </c:spPr>
+              <c:txPr>
+                <a:bodyPr rot="0" spcFirstLastPara="1" vertOverflow="clip" horzOverflow="clip" vert="horz" wrap="square" lIns="38100" tIns="19050" rIns="38100" bIns="19050" anchor="ctr" anchorCtr="1">
+                  <a:spAutoFit/>
+                </a:bodyPr>
+                <a:lstStyle/>
+                <a:p>
+                  <a:pPr>
+                    <a:defRPr sz="900" b="0" i="0" u="none" strike="noStrike" kern="1200" baseline="0">
+                      <a:solidFill>
+                        <a:srgbClr val="FF0000"/>
+                      </a:solidFill>
+                      <a:latin typeface="+mn-lt"/>
+                      <a:ea typeface="+mn-ea"/>
+                      <a:cs typeface="+mn-cs"/>
+                    </a:defRPr>
+                  </a:pPr>
+                  <a:endParaRPr lang="en-US"/>
+                </a:p>
+              </c:txPr>
+              <c:dLblPos val="bestFit"/>
+              <c:showLegendKey val="0"/>
+              <c:showVal val="0"/>
+              <c:showCatName val="1"/>
+              <c:showSerName val="0"/>
+              <c:showPercent val="1"/>
+              <c:showBubbleSize val="0"/>
+              <c:extLst>
+                <c:ext xmlns:c15="http://schemas.microsoft.com/office/drawing/2012/chart" uri="{CE6537A1-D6FC-4f65-9D91-7224C49458BB}">
+                  <c15:spPr xmlns:c15="http://schemas.microsoft.com/office/drawing/2012/chart">
+                    <a:prstGeom prst="wedgeRectCallout">
+                      <a:avLst/>
+                    </a:prstGeom>
+                    <a:noFill/>
+                    <a:ln>
+                      <a:noFill/>
+                    </a:ln>
+                  </c15:spPr>
+                </c:ext>
+                <c:ext xmlns:c16="http://schemas.microsoft.com/office/drawing/2014/chart" uri="{C3380CC4-5D6E-409C-BE32-E72D297353CC}">
+                  <c16:uniqueId val="{00000005-05E3-40E7-8938-DDC531BAE12B}"/>
+                </c:ext>
+              </c:extLst>
+            </c:dLbl>
+            <c:dLbl>
+              <c:idx val="3"/>
+              <c:layout>
+                <c:manualLayout>
+                  <c:x val="1.5900472545263354E-2"/>
+                  <c:y val="3.1198064187679377E-2"/>
+                </c:manualLayout>
+              </c:layout>
+              <c:spPr>
+                <a:noFill/>
+                <a:ln>
+                  <a:solidFill>
+                    <a:sysClr val="windowText" lastClr="000000">
+                      <a:lumMod val="25000"/>
+                      <a:lumOff val="75000"/>
+                    </a:sysClr>
+                  </a:solidFill>
+                </a:ln>
+                <a:effectLst/>
+              </c:spPr>
+              <c:txPr>
+                <a:bodyPr rot="0" spcFirstLastPara="1" vertOverflow="clip" horzOverflow="clip" vert="horz" wrap="square" lIns="38100" tIns="19050" rIns="38100" bIns="19050" anchor="ctr" anchorCtr="1">
+                  <a:noAutofit/>
+                </a:bodyPr>
+                <a:lstStyle/>
+                <a:p>
+                  <a:pPr>
+                    <a:defRPr sz="900" b="0" i="0" u="none" strike="noStrike" kern="1200" baseline="0">
+                      <a:solidFill>
+                        <a:srgbClr val="FF0000"/>
+                      </a:solidFill>
+                      <a:latin typeface="+mn-lt"/>
+                      <a:ea typeface="+mn-ea"/>
+                      <a:cs typeface="+mn-cs"/>
+                    </a:defRPr>
+                  </a:pPr>
+                  <a:endParaRPr lang="en-US"/>
+                </a:p>
+              </c:txPr>
+              <c:dLblPos val="bestFit"/>
+              <c:showLegendKey val="0"/>
+              <c:showVal val="0"/>
+              <c:showCatName val="1"/>
+              <c:showSerName val="0"/>
+              <c:showPercent val="1"/>
+              <c:showBubbleSize val="0"/>
+              <c:extLst>
+                <c:ext xmlns:c15="http://schemas.microsoft.com/office/drawing/2012/chart" uri="{CE6537A1-D6FC-4f65-9D91-7224C49458BB}">
+                  <c15:spPr xmlns:c15="http://schemas.microsoft.com/office/drawing/2012/chart">
+                    <a:prstGeom prst="wedgeRectCallout">
+                      <a:avLst/>
+                    </a:prstGeom>
+                    <a:noFill/>
+                    <a:ln>
+                      <a:noFill/>
+                    </a:ln>
+                  </c15:spPr>
+                  <c15:layout>
+                    <c:manualLayout>
+                      <c:w val="0.16340855555175965"/>
+                      <c:h val="0.26616833573262716"/>
+                    </c:manualLayout>
+                  </c15:layout>
+                </c:ext>
+                <c:ext xmlns:c16="http://schemas.microsoft.com/office/drawing/2014/chart" uri="{C3380CC4-5D6E-409C-BE32-E72D297353CC}">
+                  <c16:uniqueId val="{00000007-05E3-40E7-8938-DDC531BAE12B}"/>
+                </c:ext>
+              </c:extLst>
+            </c:dLbl>
+            <c:dLbl>
+              <c:idx val="4"/>
+              <c:spPr>
+                <a:noFill/>
+                <a:ln>
+                  <a:solidFill>
+                    <a:sysClr val="windowText" lastClr="000000">
+                      <a:lumMod val="25000"/>
+                      <a:lumOff val="75000"/>
+                    </a:sysClr>
+                  </a:solidFill>
+                </a:ln>
+                <a:effectLst/>
+              </c:spPr>
+              <c:txPr>
+                <a:bodyPr rot="0" spcFirstLastPara="1" vertOverflow="clip" horzOverflow="clip" vert="horz" wrap="square" lIns="38100" tIns="19050" rIns="38100" bIns="19050" anchor="ctr" anchorCtr="1">
+                  <a:spAutoFit/>
+                </a:bodyPr>
+                <a:lstStyle/>
+                <a:p>
+                  <a:pPr>
+                    <a:defRPr sz="900" b="0" i="0" u="none" strike="noStrike" kern="1200" baseline="0">
+                      <a:solidFill>
+                        <a:srgbClr val="FF0000"/>
+                      </a:solidFill>
+                      <a:latin typeface="+mn-lt"/>
+                      <a:ea typeface="+mn-ea"/>
+                      <a:cs typeface="+mn-cs"/>
+                    </a:defRPr>
+                  </a:pPr>
+                  <a:endParaRPr lang="en-US"/>
+                </a:p>
+              </c:txPr>
+              <c:dLblPos val="outEnd"/>
+              <c:showLegendKey val="0"/>
+              <c:showVal val="0"/>
+              <c:showCatName val="1"/>
+              <c:showSerName val="0"/>
+              <c:showPercent val="1"/>
+              <c:showBubbleSize val="0"/>
+              <c:extLst>
+                <c:ext xmlns:c15="http://schemas.microsoft.com/office/drawing/2012/chart" uri="{CE6537A1-D6FC-4f65-9D91-7224C49458BB}">
+                  <c15:spPr xmlns:c15="http://schemas.microsoft.com/office/drawing/2012/chart">
+                    <a:prstGeom prst="wedgeRectCallout">
+                      <a:avLst/>
+                    </a:prstGeom>
+                    <a:noFill/>
+                    <a:ln>
+                      <a:noFill/>
+                    </a:ln>
+                  </c15:spPr>
+                </c:ext>
+                <c:ext xmlns:c16="http://schemas.microsoft.com/office/drawing/2014/chart" uri="{C3380CC4-5D6E-409C-BE32-E72D297353CC}">
+                  <c16:uniqueId val="{00000009-05E3-40E7-8938-DDC531BAE12B}"/>
+                </c:ext>
+              </c:extLst>
+            </c:dLbl>
+            <c:dLbl>
+              <c:idx val="5"/>
+              <c:layout>
+                <c:manualLayout>
+                  <c:x val="-1.9323668230706002E-2"/>
+                  <c:y val="-4.726734865221377E-2"/>
+                </c:manualLayout>
+              </c:layout>
+              <c:spPr>
+                <a:noFill/>
+                <a:ln>
+                  <a:solidFill>
+                    <a:sysClr val="windowText" lastClr="000000">
+                      <a:lumMod val="25000"/>
+                      <a:lumOff val="75000"/>
+                    </a:sysClr>
+                  </a:solidFill>
+                </a:ln>
+                <a:effectLst/>
+              </c:spPr>
+              <c:txPr>
+                <a:bodyPr rot="0" spcFirstLastPara="1" vertOverflow="clip" horzOverflow="clip" vert="horz" wrap="square" lIns="38100" tIns="19050" rIns="38100" bIns="19050" anchor="ctr" anchorCtr="1">
+                  <a:spAutoFit/>
+                </a:bodyPr>
+                <a:lstStyle/>
+                <a:p>
+                  <a:pPr>
+                    <a:defRPr sz="900" b="0" i="0" u="none" strike="noStrike" kern="1200" baseline="0">
+                      <a:solidFill>
+                        <a:srgbClr val="FF0000"/>
+                      </a:solidFill>
+                      <a:latin typeface="+mn-lt"/>
+                      <a:ea typeface="+mn-ea"/>
+                      <a:cs typeface="+mn-cs"/>
+                    </a:defRPr>
+                  </a:pPr>
+                  <a:endParaRPr lang="en-US"/>
+                </a:p>
+              </c:txPr>
+              <c:dLblPos val="bestFit"/>
+              <c:showLegendKey val="0"/>
+              <c:showVal val="0"/>
+              <c:showCatName val="1"/>
+              <c:showSerName val="0"/>
+              <c:showPercent val="1"/>
+              <c:showBubbleSize val="0"/>
+              <c:extLst>
+                <c:ext xmlns:c15="http://schemas.microsoft.com/office/drawing/2012/chart" uri="{CE6537A1-D6FC-4f65-9D91-7224C49458BB}">
+                  <c15:spPr xmlns:c15="http://schemas.microsoft.com/office/drawing/2012/chart">
+                    <a:prstGeom prst="wedgeRectCallout">
+                      <a:avLst/>
+                    </a:prstGeom>
+                    <a:noFill/>
+                    <a:ln>
+                      <a:noFill/>
+                    </a:ln>
+                  </c15:spPr>
+                </c:ext>
+                <c:ext xmlns:c16="http://schemas.microsoft.com/office/drawing/2014/chart" uri="{C3380CC4-5D6E-409C-BE32-E72D297353CC}">
+                  <c16:uniqueId val="{0000000B-05E3-40E7-8938-DDC531BAE12B}"/>
+                </c:ext>
+              </c:extLst>
+            </c:dLbl>
+            <c:spPr>
+              <a:noFill/>
+              <a:ln>
+                <a:solidFill>
+                  <a:sysClr val="windowText" lastClr="000000">
+                    <a:lumMod val="25000"/>
+                    <a:lumOff val="75000"/>
+                  </a:sysClr>
+                </a:solidFill>
+              </a:ln>
+              <a:effectLst/>
+            </c:spPr>
+            <c:txPr>
+              <a:bodyPr rot="0" spcFirstLastPara="1" vertOverflow="clip" horzOverflow="clip" vert="horz" wrap="square" lIns="38100" tIns="19050" rIns="38100" bIns="19050" anchor="ctr" anchorCtr="1">
+                <a:spAutoFit/>
+              </a:bodyPr>
+              <a:lstStyle/>
+              <a:p>
+                <a:pPr>
+                  <a:defRPr sz="900" b="0" i="0" u="none" strike="noStrike" kern="1200" baseline="0">
+                    <a:solidFill>
+                      <a:schemeClr val="tx1"/>
+                    </a:solidFill>
+                    <a:latin typeface="+mn-lt"/>
+                    <a:ea typeface="+mn-ea"/>
+                    <a:cs typeface="+mn-cs"/>
+                  </a:defRPr>
+                </a:pPr>
+                <a:endParaRPr lang="en-US"/>
+              </a:p>
+            </c:txPr>
+            <c:showLegendKey val="0"/>
+            <c:showVal val="0"/>
+            <c:showCatName val="0"/>
+            <c:showSerName val="0"/>
+            <c:showPercent val="0"/>
+            <c:showBubbleSize val="0"/>
+            <c:extLst>
+              <c:ext xmlns:c15="http://schemas.microsoft.com/office/drawing/2012/chart" uri="{CE6537A1-D6FC-4f65-9D91-7224C49458BB}">
+                <c15:spPr xmlns:c15="http://schemas.microsoft.com/office/drawing/2012/chart">
+                  <a:prstGeom prst="wedgeRectCallout">
+                    <a:avLst/>
+                  </a:prstGeom>
+                  <a:noFill/>
+                  <a:ln>
+                    <a:noFill/>
+                  </a:ln>
+                </c15:spPr>
+              </c:ext>
+            </c:extLst>
+          </c:dLbls>
+          <c:cat>
+            <c:strRef>
+              <c:f>Espectáculos!$A$4:$A$9</c:f>
+              <c:strCache>
+                <c:ptCount val="6"/>
+                <c:pt idx="0">
+                  <c:v>La Costa Pelícano</c:v>
+                </c:pt>
+                <c:pt idx="1">
+                  <c:v>El Ombligo del Diablo</c:v>
+                </c:pt>
+                <c:pt idx="2">
+                  <c:v>Musica de Cañerías</c:v>
+                </c:pt>
+                <c:pt idx="3">
+                  <c:v>La Factura Asesina</c:v>
+                </c:pt>
+                <c:pt idx="4">
+                  <c:v>Políticos Honestos</c:v>
+                </c:pt>
+                <c:pt idx="5">
+                  <c:v>Locademia de Peluqueros</c:v>
+                </c:pt>
+              </c:strCache>
+            </c:strRef>
+          </c:cat>
+          <c:val>
+            <c:numRef>
+              <c:f>Espectáculos!$E$4:$E$9</c:f>
+              <c:numCache>
+                <c:formatCode>0%</c:formatCode>
+                <c:ptCount val="6"/>
+                <c:pt idx="0">
+                  <c:v>5.8823529411764705E-2</c:v>
+                </c:pt>
+                <c:pt idx="1">
+                  <c:v>5.8823529411764705E-2</c:v>
+                </c:pt>
+                <c:pt idx="2">
+                  <c:v>0.11764705882352941</c:v>
+                </c:pt>
+                <c:pt idx="3">
+                  <c:v>0.11764705882352941</c:v>
+                </c:pt>
+                <c:pt idx="4">
+                  <c:v>0.29411764705882354</c:v>
+                </c:pt>
+                <c:pt idx="5">
+                  <c:v>0.35294117647058826</c:v>
+                </c:pt>
+              </c:numCache>
+            </c:numRef>
+          </c:val>
+          <c:extLst>
+            <c:ext xmlns:c16="http://schemas.microsoft.com/office/drawing/2014/chart" uri="{C3380CC4-5D6E-409C-BE32-E72D297353CC}">
+              <c16:uniqueId val="{0000000C-05E3-40E7-8938-DDC531BAE12B}"/>
+            </c:ext>
+          </c:extLst>
+        </c:ser>
+        <c:dLbls>
+          <c:showLegendKey val="0"/>
+          <c:showVal val="0"/>
+          <c:showCatName val="0"/>
+          <c:showSerName val="0"/>
+          <c:showPercent val="0"/>
+          <c:showBubbleSize val="0"/>
+          <c:showLeaderLines val="1"/>
+        </c:dLbls>
+      </c:pie3DChart>
+      <c:spPr>
+        <a:noFill/>
+        <a:ln>
+          <a:noFill/>
+        </a:ln>
+        <a:effectLst/>
+      </c:spPr>
+    </c:plotArea>
+    <c:plotVisOnly val="1"/>
+    <c:dispBlanksAs val="gap"/>
+    <c:extLst>
+      <c:ext xmlns:c16r3="http://schemas.microsoft.com/office/drawing/2017/03/chart" uri="{56B9EC1D-385E-4148-901F-78D8002777C0}">
+        <c16r3:dataDisplayOptions16>
+          <c16r3:dispNaAsBlank val="1"/>
+        </c16r3:dataDisplayOptions16>
+      </c:ext>
+    </c:extLst>
+    <c:showDLblsOverMax val="0"/>
+  </c:chart>
+  <c:spPr>
+    <a:noFill/>
+    <a:ln>
+      <a:noFill/>
+    </a:ln>
+    <a:effectLst/>
+  </c:spPr>
+  <c:txPr>
+    <a:bodyPr/>
+    <a:lstStyle/>
+    <a:p>
+      <a:pPr>
+        <a:defRPr/>
+      </a:pPr>
+      <a:endParaRPr lang="en-US"/>
+    </a:p>
+  </c:txPr>
+  <c:externalData r:id="rId3">
+    <c:autoUpdate val="0"/>
+  </c:externalData>
+</c:chartSpace>
+</file>
+
+<file path=ppt/charts/chart2.xml><?xml version="1.0" encoding="utf-8"?>
+<c:chartSpace xmlns:c="http://schemas.openxmlformats.org/drawingml/2006/chart" xmlns:a="http://schemas.openxmlformats.org/drawingml/2006/main" xmlns:r="http://schemas.openxmlformats.org/officeDocument/2006/relationships" xmlns:c16r2="http://schemas.microsoft.com/office/drawing/2015/06/chart">
+  <c:date1904 val="0"/>
+  <c:lang val="es-MX"/>
+  <c:roundedCorners val="0"/>
+  <mc:AlternateContent xmlns:mc="http://schemas.openxmlformats.org/markup-compatibility/2006">
+    <mc:Choice xmlns:c14="http://schemas.microsoft.com/office/drawing/2007/8/2/chart" Requires="c14">
+      <c14:style val="102"/>
+    </mc:Choice>
+    <mc:Fallback>
+      <c:style val="2"/>
+    </mc:Fallback>
+  </mc:AlternateContent>
+  <c:chart>
+    <c:title>
+      <c:tx>
+        <c:rich>
+          <a:bodyPr rot="0" spcFirstLastPara="1" vertOverflow="ellipsis" vert="horz" wrap="square" anchor="ctr" anchorCtr="1"/>
+          <a:lstStyle/>
+          <a:p>
+            <a:pPr>
+              <a:defRPr sz="1400" b="1" i="0" u="none" strike="noStrike" kern="1200" spc="0" baseline="0">
+                <a:solidFill>
+                  <a:schemeClr val="tx1">
+                    <a:lumMod val="65000"/>
+                    <a:lumOff val="35000"/>
+                  </a:schemeClr>
+                </a:solidFill>
+                <a:latin typeface="+mn-lt"/>
+                <a:ea typeface="+mn-ea"/>
+                <a:cs typeface="+mn-cs"/>
+              </a:defRPr>
+            </a:pPr>
+            <a:r>
+              <a:rPr lang="en-US" b="1"/>
+              <a:t>Nominaciones</a:t>
+            </a:r>
+            <a:r>
+              <a:rPr lang="en-US" b="1" baseline="0"/>
+              <a:t> al Oscar de cada pelicula</a:t>
+            </a:r>
+            <a:endParaRPr lang="en-US" b="1"/>
+          </a:p>
+        </c:rich>
+      </c:tx>
+      <c:overlay val="0"/>
+      <c:spPr>
+        <a:noFill/>
+        <a:ln>
+          <a:noFill/>
+        </a:ln>
+        <a:effectLst/>
+      </c:spPr>
+      <c:txPr>
+        <a:bodyPr rot="0" spcFirstLastPara="1" vertOverflow="ellipsis" vert="horz" wrap="square" anchor="ctr" anchorCtr="1"/>
+        <a:lstStyle/>
+        <a:p>
+          <a:pPr>
+            <a:defRPr sz="1400" b="1" i="0" u="none" strike="noStrike" kern="1200" spc="0" baseline="0">
+              <a:solidFill>
+                <a:schemeClr val="tx1">
+                  <a:lumMod val="65000"/>
+                  <a:lumOff val="35000"/>
+                </a:schemeClr>
+              </a:solidFill>
+              <a:latin typeface="+mn-lt"/>
+              <a:ea typeface="+mn-ea"/>
+              <a:cs typeface="+mn-cs"/>
+            </a:defRPr>
+          </a:pPr>
+          <a:endParaRPr lang="en-US"/>
+        </a:p>
+      </c:txPr>
+    </c:title>
+    <c:autoTitleDeleted val="0"/>
+    <c:view3D>
+      <c:rotX val="15"/>
+      <c:rotY val="20"/>
+      <c:depthPercent val="100"/>
+      <c:rAngAx val="1"/>
+    </c:view3D>
+    <c:floor>
+      <c:thickness val="0"/>
+      <c:spPr>
+        <a:noFill/>
+        <a:ln>
+          <a:noFill/>
+        </a:ln>
+        <a:effectLst/>
+        <a:sp3d/>
+      </c:spPr>
+    </c:floor>
+    <c:sideWall>
+      <c:thickness val="0"/>
+      <c:spPr>
+        <a:noFill/>
+        <a:ln>
+          <a:noFill/>
+        </a:ln>
+        <a:effectLst/>
+        <a:sp3d/>
+      </c:spPr>
+    </c:sideWall>
+    <c:backWall>
+      <c:thickness val="0"/>
+      <c:spPr>
+        <a:noFill/>
+        <a:ln>
+          <a:noFill/>
+        </a:ln>
+        <a:effectLst/>
+        <a:sp3d/>
+      </c:spPr>
+    </c:backWall>
+    <c:plotArea>
+      <c:layout>
+        <c:manualLayout>
+          <c:layoutTarget val="inner"/>
+          <c:xMode val="edge"/>
+          <c:yMode val="edge"/>
+          <c:x val="0.10715654363050992"/>
+          <c:y val="0.25082028606723228"/>
+          <c:w val="0.86472577511812643"/>
+          <c:h val="0.45445884811635551"/>
+        </c:manualLayout>
+      </c:layout>
+      <c:bar3DChart>
+        <c:barDir val="col"/>
+        <c:grouping val="clustered"/>
+        <c:varyColors val="0"/>
+        <c:ser>
+          <c:idx val="0"/>
+          <c:order val="0"/>
+          <c:spPr>
+            <a:solidFill>
+              <a:schemeClr val="accent1"/>
+            </a:solidFill>
+            <a:ln>
+              <a:noFill/>
+            </a:ln>
+            <a:effectLst/>
+            <a:sp3d/>
+          </c:spPr>
+          <c:invertIfNegative val="0"/>
+          <c:cat>
+            <c:strRef>
+              <c:f>Espectáculos!$A$4:$A$9</c:f>
+              <c:strCache>
+                <c:ptCount val="6"/>
+                <c:pt idx="0">
+                  <c:v>La Costa Pelícano</c:v>
+                </c:pt>
+                <c:pt idx="1">
+                  <c:v>El Ombligo del Diablo</c:v>
+                </c:pt>
+                <c:pt idx="2">
+                  <c:v>Musica de Cañerías</c:v>
+                </c:pt>
+                <c:pt idx="3">
+                  <c:v>La Factura Asesina</c:v>
+                </c:pt>
+                <c:pt idx="4">
+                  <c:v>Políticos Honestos</c:v>
+                </c:pt>
+                <c:pt idx="5">
+                  <c:v>Locademia de Peluqueros</c:v>
+                </c:pt>
+              </c:strCache>
+            </c:strRef>
+          </c:cat>
+          <c:val>
+            <c:numRef>
+              <c:f>Espectáculos!$B$4:$B$9</c:f>
+              <c:numCache>
+                <c:formatCode>General</c:formatCode>
+                <c:ptCount val="6"/>
+                <c:pt idx="0">
+                  <c:v>4</c:v>
+                </c:pt>
+                <c:pt idx="1">
+                  <c:v>3</c:v>
+                </c:pt>
+                <c:pt idx="2">
+                  <c:v>5</c:v>
+                </c:pt>
+                <c:pt idx="3">
+                  <c:v>7</c:v>
+                </c:pt>
+                <c:pt idx="4">
+                  <c:v>9</c:v>
+                </c:pt>
+                <c:pt idx="5">
+                  <c:v>10</c:v>
+                </c:pt>
+              </c:numCache>
+            </c:numRef>
+          </c:val>
+          <c:extLst>
+            <c:ext xmlns:c16="http://schemas.microsoft.com/office/drawing/2014/chart" uri="{C3380CC4-5D6E-409C-BE32-E72D297353CC}">
+              <c16:uniqueId val="{00000000-97DB-4346-B7A6-19EFB14AD2ED}"/>
+            </c:ext>
+          </c:extLst>
+        </c:ser>
+        <c:dLbls>
+          <c:showLegendKey val="0"/>
+          <c:showVal val="0"/>
+          <c:showCatName val="0"/>
+          <c:showSerName val="0"/>
+          <c:showPercent val="0"/>
+          <c:showBubbleSize val="0"/>
+        </c:dLbls>
+        <c:gapWidth val="150"/>
+        <c:shape val="box"/>
+        <c:axId val="1028983504"/>
+        <c:axId val="1036673712"/>
+        <c:axId val="0"/>
+      </c:bar3DChart>
+      <c:catAx>
+        <c:axId val="1028983504"/>
+        <c:scaling>
+          <c:orientation val="minMax"/>
+        </c:scaling>
+        <c:delete val="0"/>
+        <c:axPos val="b"/>
+        <c:numFmt formatCode="General" sourceLinked="1"/>
+        <c:majorTickMark val="none"/>
+        <c:minorTickMark val="none"/>
+        <c:tickLblPos val="nextTo"/>
+        <c:spPr>
+          <a:noFill/>
+          <a:ln>
+            <a:noFill/>
+          </a:ln>
+          <a:effectLst/>
+        </c:spPr>
+        <c:txPr>
+          <a:bodyPr rot="-60000000" spcFirstLastPara="1" vertOverflow="ellipsis" vert="horz" wrap="square" anchor="ctr" anchorCtr="1"/>
+          <a:lstStyle/>
+          <a:p>
+            <a:pPr>
+              <a:defRPr sz="900" b="1" i="0" u="none" strike="noStrike" kern="1200" baseline="0">
+                <a:solidFill>
+                  <a:schemeClr val="tx1">
+                    <a:lumMod val="65000"/>
+                    <a:lumOff val="35000"/>
+                  </a:schemeClr>
+                </a:solidFill>
+                <a:latin typeface="+mn-lt"/>
+                <a:ea typeface="+mn-ea"/>
+                <a:cs typeface="+mn-cs"/>
+              </a:defRPr>
+            </a:pPr>
+            <a:endParaRPr lang="en-US"/>
+          </a:p>
+        </c:txPr>
+        <c:crossAx val="1036673712"/>
+        <c:crosses val="autoZero"/>
+        <c:auto val="1"/>
+        <c:lblAlgn val="ctr"/>
+        <c:lblOffset val="100"/>
+        <c:noMultiLvlLbl val="0"/>
+      </c:catAx>
+      <c:valAx>
+        <c:axId val="1036673712"/>
+        <c:scaling>
+          <c:orientation val="minMax"/>
+        </c:scaling>
+        <c:delete val="0"/>
+        <c:axPos val="l"/>
+        <c:majorGridlines>
+          <c:spPr>
+            <a:ln w="9525" cap="flat" cmpd="sng" algn="ctr">
+              <a:solidFill>
+                <a:schemeClr val="tx1">
+                  <a:lumMod val="15000"/>
+                  <a:lumOff val="85000"/>
+                </a:schemeClr>
+              </a:solidFill>
+              <a:round/>
+            </a:ln>
+            <a:effectLst/>
+          </c:spPr>
+        </c:majorGridlines>
+        <c:numFmt formatCode="General" sourceLinked="1"/>
+        <c:majorTickMark val="none"/>
+        <c:minorTickMark val="none"/>
+        <c:tickLblPos val="nextTo"/>
+        <c:spPr>
+          <a:noFill/>
+          <a:ln>
+            <a:noFill/>
+          </a:ln>
+          <a:effectLst/>
+        </c:spPr>
+        <c:txPr>
+          <a:bodyPr rot="-60000000" spcFirstLastPara="1" vertOverflow="ellipsis" vert="horz" wrap="square" anchor="ctr" anchorCtr="1"/>
+          <a:lstStyle/>
+          <a:p>
+            <a:pPr>
+              <a:defRPr sz="900" b="0" i="0" u="none" strike="noStrike" kern="1200" baseline="0">
+                <a:solidFill>
+                  <a:schemeClr val="tx1">
+                    <a:lumMod val="65000"/>
+                    <a:lumOff val="35000"/>
+                  </a:schemeClr>
+                </a:solidFill>
+                <a:latin typeface="+mn-lt"/>
+                <a:ea typeface="+mn-ea"/>
+                <a:cs typeface="+mn-cs"/>
+              </a:defRPr>
+            </a:pPr>
+            <a:endParaRPr lang="en-US"/>
+          </a:p>
+        </c:txPr>
+        <c:crossAx val="1028983504"/>
+        <c:crosses val="autoZero"/>
+        <c:crossBetween val="between"/>
+      </c:valAx>
+      <c:spPr>
+        <a:noFill/>
+        <a:ln>
+          <a:noFill/>
+        </a:ln>
+        <a:effectLst/>
+      </c:spPr>
+    </c:plotArea>
+    <c:plotVisOnly val="1"/>
+    <c:dispBlanksAs val="gap"/>
+    <c:extLst>
+      <c:ext xmlns:c16r3="http://schemas.microsoft.com/office/drawing/2017/03/chart" uri="{56B9EC1D-385E-4148-901F-78D8002777C0}">
+        <c16r3:dataDisplayOptions16>
+          <c16r3:dispNaAsBlank val="1"/>
+        </c16r3:dataDisplayOptions16>
+      </c:ext>
+    </c:extLst>
+    <c:showDLblsOverMax val="0"/>
+  </c:chart>
+  <c:spPr>
+    <a:noFill/>
+    <a:ln>
+      <a:noFill/>
+    </a:ln>
+    <a:effectLst/>
+  </c:spPr>
+  <c:txPr>
+    <a:bodyPr/>
+    <a:lstStyle/>
+    <a:p>
+      <a:pPr>
+        <a:defRPr/>
+      </a:pPr>
+      <a:endParaRPr lang="en-US"/>
+    </a:p>
+  </c:txPr>
+  <c:externalData r:id="rId3">
+    <c:autoUpdate val="0"/>
+  </c:externalData>
+</c:chartSpace>
+</file>
+
+<file path=ppt/charts/colors1.xml><?xml version="1.0" encoding="utf-8"?>
+<cs:colorStyle xmlns:cs="http://schemas.microsoft.com/office/drawing/2012/chartStyle" xmlns:a="http://schemas.openxmlformats.org/drawingml/2006/main" meth="cycle" id="10">
+  <a:schemeClr val="accent1"/>
+  <a:schemeClr val="accent2"/>
+  <a:schemeClr val="accent3"/>
+  <a:schemeClr val="accent4"/>
+  <a:schemeClr val="accent5"/>
+  <a:schemeClr val="accent6"/>
+  <cs:variation/>
+  <cs:variation>
+    <a:lumMod val="60000"/>
+  </cs:variation>
+  <cs:variation>
+    <a:lumMod val="80000"/>
+    <a:lumOff val="20000"/>
+  </cs:variation>
+  <cs:variation>
+    <a:lumMod val="80000"/>
+  </cs:variation>
+  <cs:variation>
+    <a:lumMod val="60000"/>
+    <a:lumOff val="40000"/>
+  </cs:variation>
+  <cs:variation>
+    <a:lumMod val="50000"/>
+  </cs:variation>
+  <cs:variation>
+    <a:lumMod val="70000"/>
+    <a:lumOff val="30000"/>
+  </cs:variation>
+  <cs:variation>
+    <a:lumMod val="70000"/>
+  </cs:variation>
+  <cs:variation>
+    <a:lumMod val="50000"/>
+    <a:lumOff val="50000"/>
+  </cs:variation>
+</cs:colorStyle>
+</file>
+
+<file path=ppt/charts/colors2.xml><?xml version="1.0" encoding="utf-8"?>
+<cs:colorStyle xmlns:cs="http://schemas.microsoft.com/office/drawing/2012/chartStyle" xmlns:a="http://schemas.openxmlformats.org/drawingml/2006/main" meth="cycle" id="10">
+  <a:schemeClr val="accent1"/>
+  <a:schemeClr val="accent2"/>
+  <a:schemeClr val="accent3"/>
+  <a:schemeClr val="accent4"/>
+  <a:schemeClr val="accent5"/>
+  <a:schemeClr val="accent6"/>
+  <cs:variation/>
+  <cs:variation>
+    <a:lumMod val="60000"/>
+  </cs:variation>
+  <cs:variation>
+    <a:lumMod val="80000"/>
+    <a:lumOff val="20000"/>
+  </cs:variation>
+  <cs:variation>
+    <a:lumMod val="80000"/>
+  </cs:variation>
+  <cs:variation>
+    <a:lumMod val="60000"/>
+    <a:lumOff val="40000"/>
+  </cs:variation>
+  <cs:variation>
+    <a:lumMod val="50000"/>
+  </cs:variation>
+  <cs:variation>
+    <a:lumMod val="70000"/>
+    <a:lumOff val="30000"/>
+  </cs:variation>
+  <cs:variation>
+    <a:lumMod val="70000"/>
+  </cs:variation>
+  <cs:variation>
+    <a:lumMod val="50000"/>
+    <a:lumOff val="50000"/>
+  </cs:variation>
+</cs:colorStyle>
+</file>
+
+<file path=ppt/charts/style1.xml><?xml version="1.0" encoding="utf-8"?>
+<cs:chartStyle xmlns:cs="http://schemas.microsoft.com/office/drawing/2012/chartStyle" xmlns:a="http://schemas.openxmlformats.org/drawingml/2006/main" id="262">
+  <cs:axisTitle>
+    <cs:lnRef idx="0"/>
+    <cs:fillRef idx="0"/>
+    <cs:effectRef idx="0"/>
+    <cs:fontRef idx="minor">
+      <a:schemeClr val="tx1">
+        <a:lumMod val="65000"/>
+        <a:lumOff val="35000"/>
+      </a:schemeClr>
+    </cs:fontRef>
+    <cs:defRPr sz="1000" kern="1200"/>
+  </cs:axisTitle>
+  <cs:categoryAxis>
+    <cs:lnRef idx="0"/>
+    <cs:fillRef idx="0"/>
+    <cs:effectRef idx="0"/>
+    <cs:fontRef idx="minor">
+      <a:schemeClr val="tx1">
+        <a:lumMod val="65000"/>
+        <a:lumOff val="35000"/>
+      </a:schemeClr>
+    </cs:fontRef>
+    <cs:spPr>
+      <a:ln w="9525" cap="flat" cmpd="sng" algn="ctr">
+        <a:solidFill>
+          <a:schemeClr val="tx1">
+            <a:lumMod val="15000"/>
+            <a:lumOff val="85000"/>
+          </a:schemeClr>
+        </a:solidFill>
+        <a:round/>
+      </a:ln>
+    </cs:spPr>
+    <cs:defRPr sz="900" kern="1200"/>
+  </cs:categoryAxis>
+  <cs:chartArea mods="allowNoFillOverride allowNoLineOverride">
+    <cs:lnRef idx="0"/>
+    <cs:fillRef idx="0"/>
+    <cs:effectRef idx="0"/>
+    <cs:fontRef idx="minor">
+      <a:schemeClr val="tx1"/>
+    </cs:fontRef>
+    <cs:spPr>
+      <a:solidFill>
+        <a:schemeClr val="bg1"/>
+      </a:solidFill>
+      <a:ln w="9525" cap="flat" cmpd="sng" algn="ctr">
+        <a:solidFill>
+          <a:schemeClr val="tx1">
+            <a:lumMod val="15000"/>
+            <a:lumOff val="85000"/>
+          </a:schemeClr>
+        </a:solidFill>
+        <a:round/>
+      </a:ln>
+    </cs:spPr>
+    <cs:defRPr sz="900" kern="1200"/>
+  </cs:chartArea>
+  <cs:dataLabel>
+    <cs:lnRef idx="0"/>
+    <cs:fillRef idx="0"/>
+    <cs:effectRef idx="0"/>
+    <cs:fontRef idx="minor">
+      <a:schemeClr val="tx1">
+        <a:lumMod val="75000"/>
+        <a:lumOff val="25000"/>
+      </a:schemeClr>
+    </cs:fontRef>
+    <cs:defRPr sz="900" kern="1200"/>
+  </cs:dataLabel>
+  <cs:dataLabelCallout>
+    <cs:lnRef idx="0"/>
+    <cs:fillRef idx="0"/>
+    <cs:effectRef idx="0"/>
+    <cs:fontRef idx="minor">
+      <a:schemeClr val="dk1">
+        <a:lumMod val="65000"/>
+        <a:lumOff val="35000"/>
+      </a:schemeClr>
+    </cs:fontRef>
+    <cs:spPr>
+      <a:solidFill>
+        <a:schemeClr val="lt1"/>
+      </a:solidFill>
+      <a:ln>
+        <a:solidFill>
+          <a:schemeClr val="dk1">
+            <a:lumMod val="25000"/>
+            <a:lumOff val="75000"/>
+          </a:schemeClr>
+        </a:solidFill>
+      </a:ln>
+    </cs:spPr>
+    <cs:defRPr sz="900" kern="1200"/>
+    <cs:bodyPr rot="0" spcFirstLastPara="1" vertOverflow="clip" horzOverflow="clip" vert="horz" wrap="square" lIns="36576" tIns="18288" rIns="36576" bIns="18288" anchor="ctr" anchorCtr="1">
+      <a:spAutoFit/>
+    </cs:bodyPr>
+  </cs:dataLabelCallout>
+  <cs:dataPoint>
+    <cs:lnRef idx="0"/>
+    <cs:fillRef idx="1">
+      <cs:styleClr val="auto"/>
+    </cs:fillRef>
+    <cs:effectRef idx="0"/>
+    <cs:fontRef idx="minor">
+      <a:schemeClr val="tx1"/>
+    </cs:fontRef>
+    <cs:spPr>
+      <a:ln w="19050">
+        <a:solidFill>
+          <a:schemeClr val="lt1"/>
+        </a:solidFill>
+      </a:ln>
+    </cs:spPr>
+  </cs:dataPoint>
+  <cs:dataPoint3D>
+    <cs:lnRef idx="0"/>
+    <cs:fillRef idx="1">
+      <cs:styleClr val="auto"/>
+    </cs:fillRef>
+    <cs:effectRef idx="0"/>
+    <cs:fontRef idx="minor">
+      <a:schemeClr val="tx1"/>
+    </cs:fontRef>
+    <cs:spPr>
+      <a:ln w="25400">
+        <a:solidFill>
+          <a:schemeClr val="lt1"/>
+        </a:solidFill>
+      </a:ln>
+    </cs:spPr>
+  </cs:dataPoint3D>
+  <cs:dataPointLine>
+    <cs:lnRef idx="0">
+      <cs:styleClr val="auto"/>
+    </cs:lnRef>
+    <cs:fillRef idx="0"/>
+    <cs:effectRef idx="0"/>
+    <cs:fontRef idx="minor">
+      <a:schemeClr val="tx1"/>
+    </cs:fontRef>
+    <cs:spPr>
+      <a:ln w="28575" cap="rnd">
+        <a:solidFill>
+          <a:schemeClr val="phClr"/>
+        </a:solidFill>
+        <a:round/>
+      </a:ln>
+    </cs:spPr>
+  </cs:dataPointLine>
+  <cs:dataPointMarker>
+    <cs:lnRef idx="0">
+      <cs:styleClr val="auto"/>
+    </cs:lnRef>
+    <cs:fillRef idx="1">
+      <cs:styleClr val="auto"/>
+    </cs:fillRef>
+    <cs:effectRef idx="0"/>
+    <cs:fontRef idx="minor">
+      <a:schemeClr val="tx1"/>
+    </cs:fontRef>
+    <cs:spPr>
+      <a:ln w="9525">
+        <a:solidFill>
+          <a:schemeClr val="phClr"/>
+        </a:solidFill>
+      </a:ln>
+    </cs:spPr>
+  </cs:dataPointMarker>
+  <cs:dataPointMarkerLayout symbol="circle" size="5"/>
+  <cs:dataPointWireframe>
+    <cs:lnRef idx="0">
+      <cs:styleClr val="auto"/>
+    </cs:lnRef>
+    <cs:fillRef idx="0"/>
+    <cs:effectRef idx="0"/>
+    <cs:fontRef idx="minor">
+      <a:schemeClr val="tx1"/>
+    </cs:fontRef>
+    <cs:spPr>
+      <a:ln w="9525" cap="rnd">
+        <a:solidFill>
+          <a:schemeClr val="phClr"/>
+        </a:solidFill>
+        <a:round/>
+      </a:ln>
+    </cs:spPr>
+  </cs:dataPointWireframe>
+  <cs:dataTable>
+    <cs:lnRef idx="0"/>
+    <cs:fillRef idx="0"/>
+    <cs:effectRef idx="0"/>
+    <cs:fontRef idx="minor">
+      <a:schemeClr val="tx1">
+        <a:lumMod val="65000"/>
+        <a:lumOff val="35000"/>
+      </a:schemeClr>
+    </cs:fontRef>
+    <cs:spPr>
+      <a:noFill/>
+      <a:ln w="9525" cap="flat" cmpd="sng" algn="ctr">
+        <a:solidFill>
+          <a:schemeClr val="tx1">
+            <a:lumMod val="15000"/>
+            <a:lumOff val="85000"/>
+          </a:schemeClr>
+        </a:solidFill>
+        <a:round/>
+      </a:ln>
+    </cs:spPr>
+    <cs:defRPr sz="900" kern="1200"/>
+  </cs:dataTable>
+  <cs:downBar>
+    <cs:lnRef idx="0"/>
+    <cs:fillRef idx="0"/>
+    <cs:effectRef idx="0"/>
+    <cs:fontRef idx="minor">
+      <a:schemeClr val="tx1"/>
+    </cs:fontRef>
+    <cs:spPr>
+      <a:solidFill>
+        <a:schemeClr val="dk1">
+          <a:lumMod val="75000"/>
+          <a:lumOff val="25000"/>
+        </a:schemeClr>
+      </a:solidFill>
+      <a:ln w="9525" cap="flat" cmpd="sng" algn="ctr">
+        <a:solidFill>
+          <a:schemeClr val="tx1">
+            <a:lumMod val="65000"/>
+            <a:lumOff val="35000"/>
+          </a:schemeClr>
+        </a:solidFill>
+        <a:round/>
+      </a:ln>
+    </cs:spPr>
+  </cs:downBar>
+  <cs:dropLine>
+    <cs:lnRef idx="0"/>
+    <cs:fillRef idx="0"/>
+    <cs:effectRef idx="0"/>
+    <cs:fontRef idx="minor">
+      <a:schemeClr val="tx1"/>
+    </cs:fontRef>
+    <cs:spPr>
+      <a:ln w="9525" cap="flat" cmpd="sng" algn="ctr">
+        <a:solidFill>
+          <a:schemeClr val="tx1">
+            <a:lumMod val="35000"/>
+            <a:lumOff val="65000"/>
+          </a:schemeClr>
+        </a:solidFill>
+        <a:round/>
+      </a:ln>
+    </cs:spPr>
+  </cs:dropLine>
+  <cs:errorBar>
+    <cs:lnRef idx="0"/>
+    <cs:fillRef idx="0"/>
+    <cs:effectRef idx="0"/>
+    <cs:fontRef idx="minor">
+      <a:schemeClr val="tx1"/>
+    </cs:fontRef>
+    <cs:spPr>
+      <a:ln w="9525" cap="flat" cmpd="sng" algn="ctr">
+        <a:solidFill>
+          <a:schemeClr val="tx1">
+            <a:lumMod val="65000"/>
+            <a:lumOff val="35000"/>
+          </a:schemeClr>
+        </a:solidFill>
+        <a:round/>
+      </a:ln>
+    </cs:spPr>
+  </cs:errorBar>
+  <cs:floor>
+    <cs:lnRef idx="0"/>
+    <cs:fillRef idx="0"/>
+    <cs:effectRef idx="0"/>
+    <cs:fontRef idx="minor">
+      <a:schemeClr val="tx1"/>
+    </cs:fontRef>
+    <cs:spPr>
+      <a:noFill/>
+      <a:ln>
+        <a:noFill/>
+      </a:ln>
+    </cs:spPr>
+  </cs:floor>
+  <cs:gridlineMajor>
+    <cs:lnRef idx="0"/>
+    <cs:fillRef idx="0"/>
+    <cs:effectRef idx="0"/>
+    <cs:fontRef idx="minor">
+      <a:schemeClr val="tx1"/>
+    </cs:fontRef>
+    <cs:spPr>
+      <a:ln w="9525" cap="flat" cmpd="sng" algn="ctr">
+        <a:solidFill>
+          <a:schemeClr val="tx1">
+            <a:lumMod val="15000"/>
+            <a:lumOff val="85000"/>
+          </a:schemeClr>
+        </a:solidFill>
+        <a:round/>
+      </a:ln>
+    </cs:spPr>
+  </cs:gridlineMajor>
+  <cs:gridlineMinor>
+    <cs:lnRef idx="0"/>
+    <cs:fillRef idx="0"/>
+    <cs:effectRef idx="0"/>
+    <cs:fontRef idx="minor">
+      <a:schemeClr val="tx1"/>
+    </cs:fontRef>
+    <cs:spPr>
+      <a:ln w="9525" cap="flat" cmpd="sng" algn="ctr">
+        <a:solidFill>
+          <a:schemeClr val="tx1">
+            <a:lumMod val="5000"/>
+            <a:lumOff val="95000"/>
+          </a:schemeClr>
+        </a:solidFill>
+        <a:round/>
+      </a:ln>
+    </cs:spPr>
+  </cs:gridlineMinor>
+  <cs:hiLoLine>
+    <cs:lnRef idx="0"/>
+    <cs:fillRef idx="0"/>
+    <cs:effectRef idx="0"/>
+    <cs:fontRef idx="minor">
+      <a:schemeClr val="tx1"/>
+    </cs:fontRef>
+    <cs:spPr>
+      <a:ln w="9525" cap="flat" cmpd="sng" algn="ctr">
+        <a:solidFill>
+          <a:schemeClr val="tx1">
+            <a:lumMod val="50000"/>
+            <a:lumOff val="50000"/>
+          </a:schemeClr>
+        </a:solidFill>
+        <a:round/>
+      </a:ln>
+    </cs:spPr>
+  </cs:hiLoLine>
+  <cs:leaderLine>
+    <cs:lnRef idx="0"/>
+    <cs:fillRef idx="0"/>
+    <cs:effectRef idx="0"/>
+    <cs:fontRef idx="minor">
+      <a:schemeClr val="tx1"/>
+    </cs:fontRef>
+    <cs:spPr>
+      <a:ln w="9525" cap="flat" cmpd="sng" algn="ctr">
+        <a:solidFill>
+          <a:schemeClr val="tx1">
+            <a:lumMod val="35000"/>
+            <a:lumOff val="65000"/>
+          </a:schemeClr>
+        </a:solidFill>
+        <a:round/>
+      </a:ln>
+    </cs:spPr>
+  </cs:leaderLine>
+  <cs:legend>
+    <cs:lnRef idx="0"/>
+    <cs:fillRef idx="0"/>
+    <cs:effectRef idx="0"/>
+    <cs:fontRef idx="minor">
+      <a:schemeClr val="tx1">
+        <a:lumMod val="65000"/>
+        <a:lumOff val="35000"/>
+      </a:schemeClr>
+    </cs:fontRef>
+    <cs:defRPr sz="900" kern="1200"/>
+  </cs:legend>
+  <cs:plotArea mods="allowNoFillOverride allowNoLineOverride">
+    <cs:lnRef idx="0"/>
+    <cs:fillRef idx="0"/>
+    <cs:effectRef idx="0"/>
+    <cs:fontRef idx="minor">
+      <a:schemeClr val="tx1"/>
+    </cs:fontRef>
+  </cs:plotArea>
+  <cs:plotArea3D mods="allowNoFillOverride allowNoLineOverride">
+    <cs:lnRef idx="0"/>
+    <cs:fillRef idx="0"/>
+    <cs:effectRef idx="0"/>
+    <cs:fontRef idx="minor">
+      <a:schemeClr val="tx1"/>
+    </cs:fontRef>
+  </cs:plotArea3D>
+  <cs:seriesAxis>
+    <cs:lnRef idx="0"/>
+    <cs:fillRef idx="0"/>
+    <cs:effectRef idx="0"/>
+    <cs:fontRef idx="minor">
+      <a:schemeClr val="tx1">
+        <a:lumMod val="65000"/>
+        <a:lumOff val="35000"/>
+      </a:schemeClr>
+    </cs:fontRef>
+    <cs:defRPr sz="900" kern="1200"/>
+  </cs:seriesAxis>
+  <cs:seriesLine>
+    <cs:lnRef idx="0"/>
+    <cs:fillRef idx="0"/>
+    <cs:effectRef idx="0"/>
+    <cs:fontRef idx="minor">
+      <a:schemeClr val="tx1"/>
+    </cs:fontRef>
+    <cs:spPr>
+      <a:ln w="9525" cap="flat" cmpd="sng" algn="ctr">
+        <a:solidFill>
+          <a:schemeClr val="tx1">
+            <a:lumMod val="35000"/>
+            <a:lumOff val="65000"/>
+          </a:schemeClr>
+        </a:solidFill>
+        <a:round/>
+      </a:ln>
+    </cs:spPr>
+  </cs:seriesLine>
+  <cs:title>
+    <cs:lnRef idx="0"/>
+    <cs:fillRef idx="0"/>
+    <cs:effectRef idx="0"/>
+    <cs:fontRef idx="minor">
+      <a:schemeClr val="tx1">
+        <a:lumMod val="65000"/>
+        <a:lumOff val="35000"/>
+      </a:schemeClr>
+    </cs:fontRef>
+    <cs:defRPr sz="1400" b="0" kern="1200" spc="0" baseline="0"/>
+  </cs:title>
+  <cs:trendline>
+    <cs:lnRef idx="0">
+      <cs:styleClr val="auto"/>
+    </cs:lnRef>
+    <cs:fillRef idx="0"/>
+    <cs:effectRef idx="0"/>
+    <cs:fontRef idx="minor">
+      <a:schemeClr val="tx1"/>
+    </cs:fontRef>
+    <cs:spPr>
+      <a:ln w="19050" cap="rnd">
+        <a:solidFill>
+          <a:schemeClr val="phClr"/>
+        </a:solidFill>
+        <a:prstDash val="sysDot"/>
+      </a:ln>
+    </cs:spPr>
+  </cs:trendline>
+  <cs:trendlineLabel>
+    <cs:lnRef idx="0"/>
+    <cs:fillRef idx="0"/>
+    <cs:effectRef idx="0"/>
+    <cs:fontRef idx="minor">
+      <a:schemeClr val="tx1">
+        <a:lumMod val="65000"/>
+        <a:lumOff val="35000"/>
+      </a:schemeClr>
+    </cs:fontRef>
+    <cs:defRPr sz="900" kern="1200"/>
+  </cs:trendlineLabel>
+  <cs:upBar>
+    <cs:lnRef idx="0"/>
+    <cs:fillRef idx="0"/>
+    <cs:effectRef idx="0"/>
+    <cs:fontRef idx="minor">
+      <a:schemeClr val="tx1"/>
+    </cs:fontRef>
+    <cs:spPr>
+      <a:solidFill>
+        <a:schemeClr val="lt1"/>
+      </a:solidFill>
+      <a:ln w="9525" cap="flat" cmpd="sng" algn="ctr">
+        <a:solidFill>
+          <a:schemeClr val="tx1">
+            <a:lumMod val="65000"/>
+            <a:lumOff val="35000"/>
+          </a:schemeClr>
+        </a:solidFill>
+        <a:round/>
+      </a:ln>
+    </cs:spPr>
+  </cs:upBar>
+  <cs:valueAxis>
+    <cs:lnRef idx="0"/>
+    <cs:fillRef idx="0"/>
+    <cs:effectRef idx="0"/>
+    <cs:fontRef idx="minor">
+      <a:schemeClr val="tx1">
+        <a:lumMod val="65000"/>
+        <a:lumOff val="35000"/>
+      </a:schemeClr>
+    </cs:fontRef>
+    <cs:defRPr sz="900" kern="1200"/>
+  </cs:valueAxis>
+  <cs:wall>
+    <cs:lnRef idx="0"/>
+    <cs:fillRef idx="0"/>
+    <cs:effectRef idx="0"/>
+    <cs:fontRef idx="minor">
+      <a:schemeClr val="tx1"/>
+    </cs:fontRef>
+    <cs:spPr>
+      <a:noFill/>
+      <a:ln>
+        <a:noFill/>
+      </a:ln>
+    </cs:spPr>
+  </cs:wall>
+</cs:chartStyle>
+</file>
+
+<file path=ppt/charts/style2.xml><?xml version="1.0" encoding="utf-8"?>
+<cs:chartStyle xmlns:cs="http://schemas.microsoft.com/office/drawing/2012/chartStyle" xmlns:a="http://schemas.openxmlformats.org/drawingml/2006/main" id="286">
+  <cs:axisTitle>
+    <cs:lnRef idx="0"/>
+    <cs:fillRef idx="0"/>
+    <cs:effectRef idx="0"/>
+    <cs:fontRef idx="minor">
+      <a:schemeClr val="tx1">
+        <a:lumMod val="65000"/>
+        <a:lumOff val="35000"/>
+      </a:schemeClr>
+    </cs:fontRef>
+    <cs:defRPr sz="1000" kern="1200"/>
+  </cs:axisTitle>
+  <cs:categoryAxis>
+    <cs:lnRef idx="0"/>
+    <cs:fillRef idx="0"/>
+    <cs:effectRef idx="0"/>
+    <cs:fontRef idx="minor">
+      <a:schemeClr val="tx1">
+        <a:lumMod val="65000"/>
+        <a:lumOff val="35000"/>
+      </a:schemeClr>
+    </cs:fontRef>
+    <cs:defRPr sz="900" kern="1200"/>
+  </cs:categoryAxis>
+  <cs:chartArea mods="allowNoFillOverride allowNoLineOverride">
+    <cs:lnRef idx="0"/>
+    <cs:fillRef idx="0"/>
+    <cs:effectRef idx="0"/>
+    <cs:fontRef idx="minor">
+      <a:schemeClr val="tx1"/>
+    </cs:fontRef>
+    <cs:spPr>
+      <a:solidFill>
+        <a:schemeClr val="bg1"/>
+      </a:solidFill>
+      <a:ln w="9525" cap="flat" cmpd="sng" algn="ctr">
+        <a:solidFill>
+          <a:schemeClr val="tx1">
+            <a:lumMod val="15000"/>
+            <a:lumOff val="85000"/>
+          </a:schemeClr>
+        </a:solidFill>
+        <a:round/>
+      </a:ln>
+    </cs:spPr>
+    <cs:defRPr sz="1000" kern="1200"/>
+  </cs:chartArea>
+  <cs:dataLabel>
+    <cs:lnRef idx="0"/>
+    <cs:fillRef idx="0"/>
+    <cs:effectRef idx="0"/>
+    <cs:fontRef idx="minor">
+      <a:schemeClr val="tx1">
+        <a:lumMod val="75000"/>
+        <a:lumOff val="25000"/>
+      </a:schemeClr>
+    </cs:fontRef>
+    <cs:defRPr sz="900" kern="1200"/>
+  </cs:dataLabel>
+  <cs:dataLabelCallout>
+    <cs:lnRef idx="0"/>
+    <cs:fillRef idx="0"/>
+    <cs:effectRef idx="0"/>
+    <cs:fontRef idx="minor">
+      <a:schemeClr val="dk1">
+        <a:lumMod val="65000"/>
+        <a:lumOff val="35000"/>
+      </a:schemeClr>
+    </cs:fontRef>
+    <cs:spPr>
+      <a:solidFill>
+        <a:schemeClr val="lt1"/>
+      </a:solidFill>
+      <a:ln>
+        <a:solidFill>
+          <a:schemeClr val="dk1">
+            <a:lumMod val="25000"/>
+            <a:lumOff val="75000"/>
+          </a:schemeClr>
+        </a:solidFill>
+      </a:ln>
+    </cs:spPr>
+    <cs:defRPr sz="900" kern="1200"/>
+    <cs:bodyPr rot="0" spcFirstLastPara="1" vertOverflow="clip" horzOverflow="clip" vert="horz" wrap="square" lIns="36576" tIns="18288" rIns="36576" bIns="18288" anchor="ctr" anchorCtr="1">
+      <a:spAutoFit/>
+    </cs:bodyPr>
+  </cs:dataLabelCallout>
+  <cs:dataPoint>
+    <cs:lnRef idx="0"/>
+    <cs:fillRef idx="1">
+      <cs:styleClr val="auto"/>
+    </cs:fillRef>
+    <cs:effectRef idx="0"/>
+    <cs:fontRef idx="minor">
+      <a:schemeClr val="tx1"/>
+    </cs:fontRef>
+  </cs:dataPoint>
+  <cs:dataPoint3D>
+    <cs:lnRef idx="0"/>
+    <cs:fillRef idx="1">
+      <cs:styleClr val="auto"/>
+    </cs:fillRef>
+    <cs:effectRef idx="0"/>
+    <cs:fontRef idx="minor">
+      <a:schemeClr val="tx1"/>
+    </cs:fontRef>
+  </cs:dataPoint3D>
+  <cs:dataPointLine>
+    <cs:lnRef idx="0">
+      <cs:styleClr val="auto"/>
+    </cs:lnRef>
+    <cs:fillRef idx="1"/>
+    <cs:effectRef idx="0"/>
+    <cs:fontRef idx="minor">
+      <a:schemeClr val="tx1"/>
+    </cs:fontRef>
+    <cs:spPr>
+      <a:ln w="28575" cap="rnd">
+        <a:solidFill>
+          <a:schemeClr val="phClr"/>
+        </a:solidFill>
+        <a:round/>
+      </a:ln>
+    </cs:spPr>
+  </cs:dataPointLine>
+  <cs:dataPointMarker>
+    <cs:lnRef idx="0">
+      <cs:styleClr val="auto"/>
+    </cs:lnRef>
+    <cs:fillRef idx="1">
+      <cs:styleClr val="auto"/>
+    </cs:fillRef>
+    <cs:effectRef idx="0"/>
+    <cs:fontRef idx="minor">
+      <a:schemeClr val="tx1"/>
+    </cs:fontRef>
+    <cs:spPr>
+      <a:ln w="9525">
+        <a:solidFill>
+          <a:schemeClr val="phClr"/>
+        </a:solidFill>
+      </a:ln>
+    </cs:spPr>
+  </cs:dataPointMarker>
+  <cs:dataPointMarkerLayout symbol="circle" size="5"/>
+  <cs:dataPointWireframe>
+    <cs:lnRef idx="0">
+      <cs:styleClr val="auto"/>
+    </cs:lnRef>
+    <cs:fillRef idx="1"/>
+    <cs:effectRef idx="0"/>
+    <cs:fontRef idx="minor">
+      <a:schemeClr val="tx1"/>
+    </cs:fontRef>
+    <cs:spPr>
+      <a:ln w="9525" cap="rnd">
+        <a:solidFill>
+          <a:schemeClr val="phClr"/>
+        </a:solidFill>
+        <a:round/>
+      </a:ln>
+    </cs:spPr>
+  </cs:dataPointWireframe>
+  <cs:dataTable>
+    <cs:lnRef idx="0"/>
+    <cs:fillRef idx="0"/>
+    <cs:effectRef idx="0"/>
+    <cs:fontRef idx="minor">
+      <a:schemeClr val="tx1">
+        <a:lumMod val="65000"/>
+        <a:lumOff val="35000"/>
+      </a:schemeClr>
+    </cs:fontRef>
+    <cs:spPr>
+      <a:noFill/>
+      <a:ln w="9525" cap="flat" cmpd="sng" algn="ctr">
+        <a:solidFill>
+          <a:schemeClr val="tx1">
+            <a:lumMod val="15000"/>
+            <a:lumOff val="85000"/>
+          </a:schemeClr>
+        </a:solidFill>
+        <a:round/>
+      </a:ln>
+    </cs:spPr>
+    <cs:defRPr sz="900" kern="1200"/>
+  </cs:dataTable>
+  <cs:downBar>
+    <cs:lnRef idx="0"/>
+    <cs:fillRef idx="0"/>
+    <cs:effectRef idx="0"/>
+    <cs:fontRef idx="minor">
+      <a:schemeClr val="tx1"/>
+    </cs:fontRef>
+    <cs:spPr>
+      <a:solidFill>
+        <a:schemeClr val="dk1">
+          <a:lumMod val="75000"/>
+          <a:lumOff val="25000"/>
+        </a:schemeClr>
+      </a:solidFill>
+      <a:ln w="9525" cap="flat" cmpd="sng" algn="ctr">
+        <a:solidFill>
+          <a:schemeClr val="tx1">
+            <a:lumMod val="65000"/>
+            <a:lumOff val="35000"/>
+          </a:schemeClr>
+        </a:solidFill>
+        <a:round/>
+      </a:ln>
+    </cs:spPr>
+  </cs:downBar>
+  <cs:dropLine>
+    <cs:lnRef idx="0"/>
+    <cs:fillRef idx="0"/>
+    <cs:effectRef idx="0"/>
+    <cs:fontRef idx="minor">
+      <a:schemeClr val="tx1"/>
+    </cs:fontRef>
+    <cs:spPr>
+      <a:ln w="9525" cap="flat" cmpd="sng" algn="ctr">
+        <a:solidFill>
+          <a:schemeClr val="tx1">
+            <a:lumMod val="35000"/>
+            <a:lumOff val="65000"/>
+          </a:schemeClr>
+        </a:solidFill>
+        <a:round/>
+      </a:ln>
+    </cs:spPr>
+  </cs:dropLine>
+  <cs:errorBar>
+    <cs:lnRef idx="0"/>
+    <cs:fillRef idx="0"/>
+    <cs:effectRef idx="0"/>
+    <cs:fontRef idx="minor">
+      <a:schemeClr val="tx1"/>
+    </cs:fontRef>
+    <cs:spPr>
+      <a:ln w="9525" cap="flat" cmpd="sng" algn="ctr">
+        <a:solidFill>
+          <a:schemeClr val="tx1">
+            <a:lumMod val="65000"/>
+            <a:lumOff val="35000"/>
+          </a:schemeClr>
+        </a:solidFill>
+        <a:round/>
+      </a:ln>
+    </cs:spPr>
+  </cs:errorBar>
+  <cs:floor>
+    <cs:lnRef idx="0"/>
+    <cs:fillRef idx="0"/>
+    <cs:effectRef idx="0"/>
+    <cs:fontRef idx="minor">
+      <a:schemeClr val="tx1"/>
+    </cs:fontRef>
+    <cs:spPr>
+      <a:noFill/>
+      <a:ln>
+        <a:noFill/>
+      </a:ln>
+    </cs:spPr>
+  </cs:floor>
+  <cs:gridlineMajor>
+    <cs:lnRef idx="0"/>
+    <cs:fillRef idx="0"/>
+    <cs:effectRef idx="0"/>
+    <cs:fontRef idx="minor">
+      <a:schemeClr val="tx1"/>
+    </cs:fontRef>
+    <cs:spPr>
+      <a:ln w="9525" cap="flat" cmpd="sng" algn="ctr">
+        <a:solidFill>
+          <a:schemeClr val="tx1">
+            <a:lumMod val="15000"/>
+            <a:lumOff val="85000"/>
+          </a:schemeClr>
+        </a:solidFill>
+        <a:round/>
+      </a:ln>
+    </cs:spPr>
+  </cs:gridlineMajor>
+  <cs:gridlineMinor>
+    <cs:lnRef idx="0"/>
+    <cs:fillRef idx="0"/>
+    <cs:effectRef idx="0"/>
+    <cs:fontRef idx="minor">
+      <a:schemeClr val="tx1"/>
+    </cs:fontRef>
+    <cs:spPr>
+      <a:ln w="9525" cap="flat" cmpd="sng" algn="ctr">
+        <a:solidFill>
+          <a:schemeClr val="tx1">
+            <a:lumMod val="5000"/>
+            <a:lumOff val="95000"/>
+          </a:schemeClr>
+        </a:solidFill>
+        <a:round/>
+      </a:ln>
+    </cs:spPr>
+  </cs:gridlineMinor>
+  <cs:hiLoLine>
+    <cs:lnRef idx="0"/>
+    <cs:fillRef idx="0"/>
+    <cs:effectRef idx="0"/>
+    <cs:fontRef idx="minor">
+      <a:schemeClr val="tx1"/>
+    </cs:fontRef>
+    <cs:spPr>
+      <a:ln w="9525" cap="flat" cmpd="sng" algn="ctr">
+        <a:solidFill>
+          <a:schemeClr val="tx1">
+            <a:lumMod val="50000"/>
+            <a:lumOff val="50000"/>
+          </a:schemeClr>
+        </a:solidFill>
+        <a:round/>
+      </a:ln>
+    </cs:spPr>
+  </cs:hiLoLine>
+  <cs:leaderLine>
+    <cs:lnRef idx="0"/>
+    <cs:fillRef idx="0"/>
+    <cs:effectRef idx="0"/>
+    <cs:fontRef idx="minor">
+      <a:schemeClr val="tx1"/>
+    </cs:fontRef>
+    <cs:spPr>
+      <a:ln w="9525" cap="flat" cmpd="sng" algn="ctr">
+        <a:solidFill>
+          <a:schemeClr val="tx1">
+            <a:lumMod val="35000"/>
+            <a:lumOff val="65000"/>
+          </a:schemeClr>
+        </a:solidFill>
+        <a:round/>
+      </a:ln>
+    </cs:spPr>
+  </cs:leaderLine>
+  <cs:legend>
+    <cs:lnRef idx="0"/>
+    <cs:fillRef idx="0"/>
+    <cs:effectRef idx="0"/>
+    <cs:fontRef idx="minor">
+      <a:schemeClr val="tx1">
+        <a:lumMod val="65000"/>
+        <a:lumOff val="35000"/>
+      </a:schemeClr>
+    </cs:fontRef>
+    <cs:defRPr sz="900" kern="1200"/>
+  </cs:legend>
+  <cs:plotArea mods="allowNoFillOverride allowNoLineOverride">
+    <cs:lnRef idx="0"/>
+    <cs:fillRef idx="0"/>
+    <cs:effectRef idx="0"/>
+    <cs:fontRef idx="minor">
+      <a:schemeClr val="tx1"/>
+    </cs:fontRef>
+  </cs:plotArea>
+  <cs:plotArea3D mods="allowNoFillOverride allowNoLineOverride">
+    <cs:lnRef idx="0"/>
+    <cs:fillRef idx="0"/>
+    <cs:effectRef idx="0"/>
+    <cs:fontRef idx="minor">
+      <a:schemeClr val="tx1"/>
+    </cs:fontRef>
+  </cs:plotArea3D>
+  <cs:seriesAxis>
+    <cs:lnRef idx="0"/>
+    <cs:fillRef idx="0"/>
+    <cs:effectRef idx="0"/>
+    <cs:fontRef idx="minor">
+      <a:schemeClr val="tx1">
+        <a:lumMod val="65000"/>
+        <a:lumOff val="35000"/>
+      </a:schemeClr>
+    </cs:fontRef>
+    <cs:defRPr sz="900" kern="1200"/>
+  </cs:seriesAxis>
+  <cs:seriesLine>
+    <cs:lnRef idx="0"/>
+    <cs:fillRef idx="0"/>
+    <cs:effectRef idx="0"/>
+    <cs:fontRef idx="minor">
+      <a:schemeClr val="tx1"/>
+    </cs:fontRef>
+    <cs:spPr>
+      <a:ln w="9525" cap="flat" cmpd="sng" algn="ctr">
+        <a:solidFill>
+          <a:schemeClr val="tx1">
+            <a:lumMod val="35000"/>
+            <a:lumOff val="65000"/>
+          </a:schemeClr>
+        </a:solidFill>
+        <a:round/>
+      </a:ln>
+    </cs:spPr>
+  </cs:seriesLine>
+  <cs:title>
+    <cs:lnRef idx="0"/>
+    <cs:fillRef idx="0"/>
+    <cs:effectRef idx="0"/>
+    <cs:fontRef idx="minor">
+      <a:schemeClr val="tx1">
+        <a:lumMod val="65000"/>
+        <a:lumOff val="35000"/>
+      </a:schemeClr>
+    </cs:fontRef>
+    <cs:defRPr sz="1400" b="0" kern="1200" spc="0" baseline="0"/>
+  </cs:title>
+  <cs:trendline>
+    <cs:lnRef idx="0">
+      <cs:styleClr val="auto"/>
+    </cs:lnRef>
+    <cs:fillRef idx="0"/>
+    <cs:effectRef idx="0"/>
+    <cs:fontRef idx="minor">
+      <a:schemeClr val="tx1"/>
+    </cs:fontRef>
+    <cs:spPr>
+      <a:ln w="19050" cap="rnd">
+        <a:solidFill>
+          <a:schemeClr val="phClr"/>
+        </a:solidFill>
+        <a:prstDash val="sysDot"/>
+      </a:ln>
+    </cs:spPr>
+  </cs:trendline>
+  <cs:trendlineLabel>
+    <cs:lnRef idx="0"/>
+    <cs:fillRef idx="0"/>
+    <cs:effectRef idx="0"/>
+    <cs:fontRef idx="minor">
+      <a:schemeClr val="tx1">
+        <a:lumMod val="65000"/>
+        <a:lumOff val="35000"/>
+      </a:schemeClr>
+    </cs:fontRef>
+    <cs:defRPr sz="900" kern="1200"/>
+  </cs:trendlineLabel>
+  <cs:upBar>
+    <cs:lnRef idx="0"/>
+    <cs:fillRef idx="0"/>
+    <cs:effectRef idx="0"/>
+    <cs:fontRef idx="minor">
+      <a:schemeClr val="tx1"/>
+    </cs:fontRef>
+    <cs:spPr>
+      <a:solidFill>
+        <a:schemeClr val="lt1"/>
+      </a:solidFill>
+      <a:ln w="9525" cap="flat" cmpd="sng" algn="ctr">
+        <a:solidFill>
+          <a:schemeClr val="tx1">
+            <a:lumMod val="65000"/>
+            <a:lumOff val="35000"/>
+          </a:schemeClr>
+        </a:solidFill>
+        <a:round/>
+      </a:ln>
+    </cs:spPr>
+  </cs:upBar>
+  <cs:valueAxis>
+    <cs:lnRef idx="0"/>
+    <cs:fillRef idx="0"/>
+    <cs:effectRef idx="0"/>
+    <cs:fontRef idx="minor">
+      <a:schemeClr val="tx1">
+        <a:lumMod val="65000"/>
+        <a:lumOff val="35000"/>
+      </a:schemeClr>
+    </cs:fontRef>
+    <cs:defRPr sz="900" kern="1200"/>
+  </cs:valueAxis>
+  <cs:wall>
+    <cs:lnRef idx="0"/>
+    <cs:fillRef idx="0"/>
+    <cs:effectRef idx="0"/>
+    <cs:fontRef idx="minor">
+      <a:schemeClr val="tx1"/>
+    </cs:fontRef>
+    <cs:spPr>
+      <a:noFill/>
+      <a:ln>
+        <a:noFill/>
+      </a:ln>
+    </cs:spPr>
+  </cs:wall>
+</cs:chartStyle>
 </file>
 
 <file path=ppt/slideLayouts/slideLayout1.xml><?xml version="1.0" encoding="utf-8"?>
@@ -8872,9 +11162,13 @@
             <a:r>
               <a:rPr lang="es-ES" sz="2800" dirty="0">
                 <a:latin typeface="Tahoma" charset="0"/>
+                <a:hlinkClick r:id="rId2" action="ppaction://hlinksldjump"/>
               </a:rPr>
               <a:t>Economía</a:t>
             </a:r>
+            <a:endParaRPr lang="es-ES" sz="2800" dirty="0">
+              <a:latin typeface="Tahoma" charset="0"/>
+            </a:endParaRPr>
           </a:p>
           <a:p>
             <a:pPr>
@@ -8887,9 +11181,13 @@
             <a:r>
               <a:rPr lang="es-ES" sz="2800" dirty="0">
                 <a:latin typeface="Tahoma" charset="0"/>
+                <a:hlinkClick r:id="rId3" action="ppaction://hlinksldjump"/>
               </a:rPr>
               <a:t>Espectáculos</a:t>
             </a:r>
+            <a:endParaRPr lang="es-ES" sz="2800" dirty="0">
+              <a:latin typeface="Tahoma" charset="0"/>
+            </a:endParaRPr>
           </a:p>
           <a:p>
             <a:pPr>
@@ -8902,9 +11200,13 @@
             <a:r>
               <a:rPr lang="es-ES" sz="2800" dirty="0">
                 <a:latin typeface="Tahoma" charset="0"/>
+                <a:hlinkClick r:id="rId4" action="ppaction://hlinksldjump"/>
               </a:rPr>
               <a:t>Deportes</a:t>
             </a:r>
+            <a:endParaRPr lang="es-ES" sz="2800" dirty="0">
+              <a:latin typeface="Tahoma" charset="0"/>
+            </a:endParaRPr>
           </a:p>
           <a:p>
             <a:pPr>
@@ -8917,9 +11219,13 @@
             <a:r>
               <a:rPr lang="es-ES" sz="2800" dirty="0">
                 <a:latin typeface="Tahoma" charset="0"/>
+                <a:hlinkClick r:id="rId5" action="ppaction://hlinksldjump"/>
               </a:rPr>
               <a:t>Policiales</a:t>
             </a:r>
+            <a:endParaRPr lang="es-ES" sz="2800" dirty="0">
+              <a:latin typeface="Tahoma" charset="0"/>
+            </a:endParaRPr>
           </a:p>
           <a:p>
             <a:pPr>
@@ -8932,6 +11238,7 @@
             <a:r>
               <a:rPr lang="es-ES" sz="2800" dirty="0" err="1">
                 <a:latin typeface="Tahoma" charset="0"/>
+                <a:hlinkClick r:id="rId6" action="ppaction://hlinksldjump"/>
               </a:rPr>
               <a:t>Meterológicas</a:t>
             </a:r>
@@ -8997,9 +11304,16 @@
                   <a:srgbClr val="FFFF00"/>
                 </a:solidFill>
                 <a:latin typeface="Tahoma" charset="0"/>
+                <a:hlinkClick r:id="rId7" action="ppaction://hlinksldjump"/>
               </a:rPr>
               <a:t>Insumos</a:t>
             </a:r>
+            <a:endParaRPr lang="es-ES" sz="2800" dirty="0">
+              <a:solidFill>
+                <a:srgbClr val="FFFF00"/>
+              </a:solidFill>
+              <a:latin typeface="Tahoma" charset="0"/>
+            </a:endParaRPr>
           </a:p>
           <a:p>
             <a:pPr>
@@ -9015,9 +11329,16 @@
                   <a:srgbClr val="FFFF00"/>
                 </a:solidFill>
                 <a:latin typeface="Tahoma" charset="0"/>
+                <a:hlinkClick r:id="rId7" action="ppaction://hlinksldjump"/>
               </a:rPr>
               <a:t>Programación</a:t>
             </a:r>
+            <a:endParaRPr lang="es-ES" sz="2800" dirty="0">
+              <a:solidFill>
+                <a:srgbClr val="FFFF00"/>
+              </a:solidFill>
+              <a:latin typeface="Tahoma" charset="0"/>
+            </a:endParaRPr>
           </a:p>
           <a:p>
             <a:pPr>
@@ -9152,6 +11473,69 @@
           </a:p>
         </p:txBody>
       </p:sp>
+      <p:graphicFrame>
+        <p:nvGraphicFramePr>
+          <p:cNvPr id="4" name="Objeto 3">
+            <a:extLst>
+              <a:ext uri="{FF2B5EF4-FFF2-40B4-BE49-F238E27FC236}">
+                <a16:creationId xmlns:a16="http://schemas.microsoft.com/office/drawing/2014/main" id="{E2E3750A-54E0-A53E-F028-1476D619075D}"/>
+              </a:ext>
+            </a:extLst>
+          </p:cNvPr>
+          <p:cNvGraphicFramePr>
+            <a:graphicFrameLocks noChangeAspect="1"/>
+          </p:cNvGraphicFramePr>
+          <p:nvPr>
+            <p:extLst>
+              <p:ext uri="{D42A27DB-BD31-4B8C-83A1-F6EECF244321}">
+                <p14:modId xmlns:p14="http://schemas.microsoft.com/office/powerpoint/2010/main" val="1065381055"/>
+              </p:ext>
+            </p:extLst>
+          </p:nvPr>
+        </p:nvGraphicFramePr>
+        <p:xfrm>
+          <a:off x="131763" y="1772816"/>
+          <a:ext cx="9012237" cy="4839555"/>
+        </p:xfrm>
+        <a:graphic>
+          <a:graphicData uri="http://schemas.openxmlformats.org/presentationml/2006/ole">
+            <mc:AlternateContent xmlns:mc="http://schemas.openxmlformats.org/markup-compatibility/2006">
+              <mc:Choice xmlns:v="urn:schemas-microsoft-com:vml" Requires="v">
+                <p:oleObj name="Worksheet" r:id="rId3" imgW="17687896" imgH="5229225" progId="Excel.Sheet.12">
+                  <p:link updateAutomatic="1"/>
+                </p:oleObj>
+              </mc:Choice>
+              <mc:Fallback>
+                <p:oleObj name="Worksheet" r:id="rId3" imgW="17687896" imgH="5229225" progId="Excel.Sheet.12">
+                  <p:link updateAutomatic="1"/>
+                  <p:pic>
+                    <p:nvPicPr>
+                      <p:cNvPr id="0" name=""/>
+                      <p:cNvPicPr/>
+                      <p:nvPr/>
+                    </p:nvPicPr>
+                    <p:blipFill>
+                      <a:blip r:embed="rId4"/>
+                      <a:stretch>
+                        <a:fillRect/>
+                      </a:stretch>
+                    </p:blipFill>
+                    <p:spPr>
+                      <a:xfrm>
+                        <a:off x="131763" y="1772816"/>
+                        <a:ext cx="9012237" cy="4839555"/>
+                      </a:xfrm>
+                      <a:prstGeom prst="rect">
+                        <a:avLst/>
+                      </a:prstGeom>
+                    </p:spPr>
+                  </p:pic>
+                </p:oleObj>
+              </mc:Fallback>
+            </mc:AlternateContent>
+          </a:graphicData>
+        </a:graphic>
+      </p:graphicFrame>
     </p:spTree>
   </p:cSld>
   <p:clrMapOvr>
@@ -9199,7 +11583,7 @@
         </p:blipFill>
         <p:spPr>
           <a:xfrm>
-            <a:off x="0" y="0"/>
+            <a:off x="0" y="-1"/>
             <a:ext cx="9144000" cy="6857999"/>
           </a:xfrm>
           <a:prstGeom prst="rect">
@@ -9265,6 +11649,99 @@
           </a:p>
         </p:txBody>
       </p:sp>
+      <p:pic>
+        <p:nvPicPr>
+          <p:cNvPr id="3" name="Imagen 2">
+            <a:extLst>
+              <a:ext uri="{FF2B5EF4-FFF2-40B4-BE49-F238E27FC236}">
+                <a16:creationId xmlns:a16="http://schemas.microsoft.com/office/drawing/2014/main" id="{1440267E-D02F-E5D2-930D-B81B48E75CAF}"/>
+              </a:ext>
+            </a:extLst>
+          </p:cNvPr>
+          <p:cNvPicPr>
+            <a:picLocks noChangeAspect="1"/>
+          </p:cNvPicPr>
+          <p:nvPr/>
+        </p:nvPicPr>
+        <p:blipFill>
+          <a:blip r:embed="rId3"/>
+          <a:stretch>
+            <a:fillRect/>
+          </a:stretch>
+        </p:blipFill>
+        <p:spPr>
+          <a:xfrm>
+            <a:off x="71500" y="1411330"/>
+            <a:ext cx="9001000" cy="1847105"/>
+          </a:xfrm>
+          <a:prstGeom prst="rect">
+            <a:avLst/>
+          </a:prstGeom>
+          <a:solidFill>
+            <a:schemeClr val="tx1"/>
+          </a:solidFill>
+        </p:spPr>
+      </p:pic>
+      <p:graphicFrame>
+        <p:nvGraphicFramePr>
+          <p:cNvPr id="6" name="Gráfico 5">
+            <a:extLst>
+              <a:ext uri="{FF2B5EF4-FFF2-40B4-BE49-F238E27FC236}">
+                <a16:creationId xmlns:a16="http://schemas.microsoft.com/office/drawing/2014/main" id="{D03FED20-30DD-E603-8447-F99761739987}"/>
+              </a:ext>
+            </a:extLst>
+          </p:cNvPr>
+          <p:cNvGraphicFramePr>
+            <a:graphicFrameLocks/>
+          </p:cNvGraphicFramePr>
+          <p:nvPr>
+            <p:extLst>
+              <p:ext uri="{D42A27DB-BD31-4B8C-83A1-F6EECF244321}">
+                <p14:modId xmlns:p14="http://schemas.microsoft.com/office/powerpoint/2010/main" val="3793286552"/>
+              </p:ext>
+            </p:extLst>
+          </p:nvPr>
+        </p:nvGraphicFramePr>
+        <p:xfrm>
+          <a:off x="179513" y="3739343"/>
+          <a:ext cx="3600399" cy="2713993"/>
+        </p:xfrm>
+        <a:graphic>
+          <a:graphicData uri="http://schemas.openxmlformats.org/drawingml/2006/chart">
+            <c:chart xmlns:c="http://schemas.openxmlformats.org/drawingml/2006/chart" xmlns:r="http://schemas.openxmlformats.org/officeDocument/2006/relationships" r:id="rId4"/>
+          </a:graphicData>
+        </a:graphic>
+      </p:graphicFrame>
+      <p:graphicFrame>
+        <p:nvGraphicFramePr>
+          <p:cNvPr id="7" name="Gráfico 6">
+            <a:extLst>
+              <a:ext uri="{FF2B5EF4-FFF2-40B4-BE49-F238E27FC236}">
+                <a16:creationId xmlns:a16="http://schemas.microsoft.com/office/drawing/2014/main" id="{D3B978B5-BF81-7056-8EEA-45856F2FD4E1}"/>
+              </a:ext>
+            </a:extLst>
+          </p:cNvPr>
+          <p:cNvGraphicFramePr>
+            <a:graphicFrameLocks/>
+          </p:cNvGraphicFramePr>
+          <p:nvPr>
+            <p:extLst>
+              <p:ext uri="{D42A27DB-BD31-4B8C-83A1-F6EECF244321}">
+                <p14:modId xmlns:p14="http://schemas.microsoft.com/office/powerpoint/2010/main" val="3482990080"/>
+              </p:ext>
+            </p:extLst>
+          </p:nvPr>
+        </p:nvGraphicFramePr>
+        <p:xfrm>
+          <a:off x="4175596" y="2046262"/>
+          <a:ext cx="4968404" cy="4811736"/>
+        </p:xfrm>
+        <a:graphic>
+          <a:graphicData uri="http://schemas.openxmlformats.org/drawingml/2006/chart">
+            <c:chart xmlns:c="http://schemas.openxmlformats.org/drawingml/2006/chart" xmlns:r="http://schemas.openxmlformats.org/officeDocument/2006/relationships" r:id="rId5"/>
+          </a:graphicData>
+        </a:graphic>
+      </p:graphicFrame>
     </p:spTree>
   </p:cSld>
   <p:clrMapOvr>
@@ -9378,6 +11855,138 @@
           </a:p>
         </p:txBody>
       </p:sp>
+      <p:graphicFrame>
+        <p:nvGraphicFramePr>
+          <p:cNvPr id="4" name="Objeto 3">
+            <a:extLst>
+              <a:ext uri="{FF2B5EF4-FFF2-40B4-BE49-F238E27FC236}">
+                <a16:creationId xmlns:a16="http://schemas.microsoft.com/office/drawing/2014/main" id="{949831C1-25F9-18DF-5BF3-DE414C110467}"/>
+              </a:ext>
+            </a:extLst>
+          </p:cNvPr>
+          <p:cNvGraphicFramePr>
+            <a:graphicFrameLocks noChangeAspect="1"/>
+          </p:cNvGraphicFramePr>
+          <p:nvPr>
+            <p:extLst>
+              <p:ext uri="{D42A27DB-BD31-4B8C-83A1-F6EECF244321}">
+                <p14:modId xmlns:p14="http://schemas.microsoft.com/office/powerpoint/2010/main" val="191562638"/>
+              </p:ext>
+            </p:extLst>
+          </p:nvPr>
+        </p:nvGraphicFramePr>
+        <p:xfrm>
+          <a:off x="467544" y="2386160"/>
+          <a:ext cx="3456384" cy="4372933"/>
+        </p:xfrm>
+        <a:graphic>
+          <a:graphicData uri="http://schemas.openxmlformats.org/presentationml/2006/ole">
+            <mc:AlternateContent xmlns:mc="http://schemas.openxmlformats.org/markup-compatibility/2006">
+              <mc:Choice xmlns:v="urn:schemas-microsoft-com:vml" Requires="v">
+                <p:oleObj name="Worksheet" r:id="rId3" imgW="2981220" imgH="3771900" progId="Excel.Sheet.12">
+                  <p:link updateAutomatic="1"/>
+                </p:oleObj>
+              </mc:Choice>
+              <mc:Fallback>
+                <p:oleObj name="Worksheet" r:id="rId3" imgW="2981220" imgH="3771900" progId="Excel.Sheet.12">
+                  <p:link updateAutomatic="1"/>
+                  <p:pic>
+                    <p:nvPicPr>
+                      <p:cNvPr id="0" name=""/>
+                      <p:cNvPicPr/>
+                      <p:nvPr/>
+                    </p:nvPicPr>
+                    <p:blipFill>
+                      <a:blip r:embed="rId4"/>
+                      <a:stretch>
+                        <a:fillRect/>
+                      </a:stretch>
+                    </p:blipFill>
+                    <p:spPr>
+                      <a:xfrm>
+                        <a:off x="467544" y="2386160"/>
+                        <a:ext cx="3456384" cy="4372933"/>
+                      </a:xfrm>
+                      <a:prstGeom prst="rect">
+                        <a:avLst/>
+                      </a:prstGeom>
+                      <a:solidFill>
+                        <a:schemeClr val="tx1"/>
+                      </a:solidFill>
+                    </p:spPr>
+                  </p:pic>
+                </p:oleObj>
+              </mc:Fallback>
+            </mc:AlternateContent>
+          </a:graphicData>
+        </a:graphic>
+      </p:graphicFrame>
+      <p:graphicFrame>
+        <p:nvGraphicFramePr>
+          <p:cNvPr id="5" name="Objeto 4">
+            <a:extLst>
+              <a:ext uri="{FF2B5EF4-FFF2-40B4-BE49-F238E27FC236}">
+                <a16:creationId xmlns:a16="http://schemas.microsoft.com/office/drawing/2014/main" id="{ABDB71B8-377F-65D3-0861-48B4B2BC33A4}"/>
+              </a:ext>
+            </a:extLst>
+          </p:cNvPr>
+          <p:cNvGraphicFramePr>
+            <a:graphicFrameLocks noChangeAspect="1"/>
+          </p:cNvGraphicFramePr>
+          <p:nvPr>
+            <p:extLst>
+              <p:ext uri="{D42A27DB-BD31-4B8C-83A1-F6EECF244321}">
+                <p14:modId xmlns:p14="http://schemas.microsoft.com/office/powerpoint/2010/main" val="3015060743"/>
+              </p:ext>
+            </p:extLst>
+          </p:nvPr>
+        </p:nvGraphicFramePr>
+        <p:xfrm>
+          <a:off x="4632530" y="3916054"/>
+          <a:ext cx="4340037" cy="2843039"/>
+        </p:xfrm>
+        <a:graphic>
+          <a:graphicData uri="http://schemas.openxmlformats.org/presentationml/2006/ole">
+            <mc:AlternateContent xmlns:mc="http://schemas.openxmlformats.org/markup-compatibility/2006">
+              <mc:Choice xmlns:v="urn:schemas-microsoft-com:vml" Requires="v">
+                <p:oleObj name="Worksheet" r:id="rId5" imgW="3286020" imgH="2152616" progId="Excel.Sheet.12">
+                  <p:link updateAutomatic="1"/>
+                </p:oleObj>
+              </mc:Choice>
+              <mc:Fallback>
+                <p:oleObj name="Worksheet" r:id="rId5" imgW="3286020" imgH="2152616" progId="Excel.Sheet.12">
+                  <p:link updateAutomatic="1"/>
+                  <p:pic>
+                    <p:nvPicPr>
+                      <p:cNvPr id="0" name=""/>
+                      <p:cNvPicPr/>
+                      <p:nvPr/>
+                    </p:nvPicPr>
+                    <p:blipFill>
+                      <a:blip r:embed="rId6"/>
+                      <a:stretch>
+                        <a:fillRect/>
+                      </a:stretch>
+                    </p:blipFill>
+                    <p:spPr>
+                      <a:xfrm>
+                        <a:off x="4632530" y="3916054"/>
+                        <a:ext cx="4340037" cy="2843039"/>
+                      </a:xfrm>
+                      <a:prstGeom prst="rect">
+                        <a:avLst/>
+                      </a:prstGeom>
+                      <a:solidFill>
+                        <a:schemeClr val="tx1"/>
+                      </a:solidFill>
+                    </p:spPr>
+                  </p:pic>
+                </p:oleObj>
+              </mc:Fallback>
+            </mc:AlternateContent>
+          </a:graphicData>
+        </a:graphic>
+      </p:graphicFrame>
     </p:spTree>
   </p:cSld>
   <p:clrMapOvr>
@@ -9491,6 +12100,66 @@
           </a:p>
         </p:txBody>
       </p:sp>
+      <p:pic>
+        <p:nvPicPr>
+          <p:cNvPr id="3" name="Imagen 2">
+            <a:extLst>
+              <a:ext uri="{FF2B5EF4-FFF2-40B4-BE49-F238E27FC236}">
+                <a16:creationId xmlns:a16="http://schemas.microsoft.com/office/drawing/2014/main" id="{652DA4B0-5751-E41C-4F0C-066557DBD7D7}"/>
+              </a:ext>
+            </a:extLst>
+          </p:cNvPr>
+          <p:cNvPicPr>
+            <a:picLocks noChangeAspect="1"/>
+          </p:cNvPicPr>
+          <p:nvPr/>
+        </p:nvPicPr>
+        <p:blipFill>
+          <a:blip r:embed="rId3"/>
+          <a:stretch>
+            <a:fillRect/>
+          </a:stretch>
+        </p:blipFill>
+        <p:spPr>
+          <a:xfrm>
+            <a:off x="45137" y="1686223"/>
+            <a:ext cx="4401444" cy="2880320"/>
+          </a:xfrm>
+          <a:prstGeom prst="rect">
+            <a:avLst/>
+          </a:prstGeom>
+        </p:spPr>
+      </p:pic>
+      <p:pic>
+        <p:nvPicPr>
+          <p:cNvPr id="4" name="Imagen 3">
+            <a:extLst>
+              <a:ext uri="{FF2B5EF4-FFF2-40B4-BE49-F238E27FC236}">
+                <a16:creationId xmlns:a16="http://schemas.microsoft.com/office/drawing/2014/main" id="{2B65D89C-4F66-8D9B-DC09-09C7218D1B26}"/>
+              </a:ext>
+            </a:extLst>
+          </p:cNvPr>
+          <p:cNvPicPr>
+            <a:picLocks noChangeAspect="1"/>
+          </p:cNvPicPr>
+          <p:nvPr/>
+        </p:nvPicPr>
+        <p:blipFill>
+          <a:blip r:embed="rId4"/>
+          <a:stretch>
+            <a:fillRect/>
+          </a:stretch>
+        </p:blipFill>
+        <p:spPr>
+          <a:xfrm>
+            <a:off x="4697421" y="3956378"/>
+            <a:ext cx="4339076" cy="2849035"/>
+          </a:xfrm>
+          <a:prstGeom prst="rect">
+            <a:avLst/>
+          </a:prstGeom>
+        </p:spPr>
+      </p:pic>
     </p:spTree>
   </p:cSld>
   <p:clrMapOvr>
@@ -9676,25 +12345,25 @@
           <p:nvPr>
             <p:extLst>
               <p:ext uri="{D42A27DB-BD31-4B8C-83A1-F6EECF244321}">
-                <p14:modId xmlns:p14="http://schemas.microsoft.com/office/powerpoint/2010/main" val="778480366"/>
+                <p14:modId xmlns:p14="http://schemas.microsoft.com/office/powerpoint/2010/main" val="1896249190"/>
               </p:ext>
             </p:extLst>
           </p:nvPr>
         </p:nvGraphicFramePr>
         <p:xfrm>
-          <a:off x="519113" y="2857500"/>
-          <a:ext cx="8105775" cy="1143000"/>
+          <a:off x="-3457575" y="3005138"/>
+          <a:ext cx="18781713" cy="1190625"/>
         </p:xfrm>
         <a:graphic>
           <a:graphicData uri="http://schemas.openxmlformats.org/presentationml/2006/ole">
             <mc:AlternateContent xmlns:mc="http://schemas.openxmlformats.org/markup-compatibility/2006">
               <mc:Choice xmlns:v="urn:schemas-microsoft-com:vml" Requires="v">
-                <p:oleObj name="Worksheet" r:id="rId3" imgW="8105719" imgH="1143142" progId="Excel.Sheet.12">
+                <p:oleObj name="Worksheet" r:id="rId3" imgW="18754849" imgH="1190659" progId="Excel.Sheet.12">
                   <p:link updateAutomatic="1"/>
                 </p:oleObj>
               </mc:Choice>
               <mc:Fallback>
-                <p:oleObj name="Worksheet" r:id="rId3" imgW="8105719" imgH="1143142" progId="Excel.Sheet.12">
+                <p:oleObj name="Worksheet" r:id="rId3" imgW="18754849" imgH="1190659" progId="Excel.Sheet.12">
                   <p:link updateAutomatic="1"/>
                   <p:pic>
                     <p:nvPicPr>
@@ -9710,8 +12379,8 @@
                     </p:blipFill>
                     <p:spPr>
                       <a:xfrm>
-                        <a:off x="519113" y="2857500"/>
-                        <a:ext cx="8105775" cy="1143000"/>
+                        <a:off x="-3457575" y="3005138"/>
+                        <a:ext cx="18781713" cy="1190625"/>
                       </a:xfrm>
                       <a:prstGeom prst="rect">
                         <a:avLst/>
@@ -9771,26 +12440,251 @@
           </a:p>
         </p:txBody>
       </p:sp>
+      <p:graphicFrame>
+        <p:nvGraphicFramePr>
+          <p:cNvPr id="2" name="Objeto 1">
+            <a:extLst>
+              <a:ext uri="{FF2B5EF4-FFF2-40B4-BE49-F238E27FC236}">
+                <a16:creationId xmlns:a16="http://schemas.microsoft.com/office/drawing/2014/main" id="{D669318C-B43A-5C54-F226-92CF4BA8BDED}"/>
+              </a:ext>
+            </a:extLst>
+          </p:cNvPr>
+          <p:cNvGraphicFramePr>
+            <a:graphicFrameLocks noChangeAspect="1"/>
+          </p:cNvGraphicFramePr>
+          <p:nvPr>
+            <p:extLst>
+              <p:ext uri="{D42A27DB-BD31-4B8C-83A1-F6EECF244321}">
+                <p14:modId xmlns:p14="http://schemas.microsoft.com/office/powerpoint/2010/main" val="509092320"/>
+              </p:ext>
+            </p:extLst>
+          </p:nvPr>
+        </p:nvGraphicFramePr>
+        <p:xfrm>
+          <a:off x="323528" y="2276872"/>
+          <a:ext cx="3848100" cy="3257550"/>
+        </p:xfrm>
+        <a:graphic>
+          <a:graphicData uri="http://schemas.openxmlformats.org/presentationml/2006/ole">
+            <mc:AlternateContent xmlns:mc="http://schemas.openxmlformats.org/markup-compatibility/2006">
+              <mc:Choice xmlns:v="urn:schemas-microsoft-com:vml" Requires="v">
+                <p:oleObj name="Worksheet" r:id="rId2" imgW="3848138" imgH="3257550" progId="Excel.Sheet.12">
+                  <p:link updateAutomatic="1"/>
+                </p:oleObj>
+              </mc:Choice>
+              <mc:Fallback>
+                <p:oleObj name="Worksheet" r:id="rId2" imgW="3848138" imgH="3257550" progId="Excel.Sheet.12">
+                  <p:link updateAutomatic="1"/>
+                  <p:pic>
+                    <p:nvPicPr>
+                      <p:cNvPr id="0" name=""/>
+                      <p:cNvPicPr/>
+                      <p:nvPr/>
+                    </p:nvPicPr>
+                    <p:blipFill>
+                      <a:blip r:embed="rId3"/>
+                      <a:stretch>
+                        <a:fillRect/>
+                      </a:stretch>
+                    </p:blipFill>
+                    <p:spPr>
+                      <a:xfrm>
+                        <a:off x="323528" y="2276872"/>
+                        <a:ext cx="3848100" cy="3257550"/>
+                      </a:xfrm>
+                      <a:prstGeom prst="rect">
+                        <a:avLst/>
+                      </a:prstGeom>
+                    </p:spPr>
+                  </p:pic>
+                </p:oleObj>
+              </mc:Fallback>
+            </mc:AlternateContent>
+          </a:graphicData>
+        </a:graphic>
+      </p:graphicFrame>
+      <p:graphicFrame>
+        <p:nvGraphicFramePr>
+          <p:cNvPr id="3" name="Objeto 2">
+            <a:extLst>
+              <a:ext uri="{FF2B5EF4-FFF2-40B4-BE49-F238E27FC236}">
+                <a16:creationId xmlns:a16="http://schemas.microsoft.com/office/drawing/2014/main" id="{8B57F281-06A9-50A0-4F5B-99C8AF7708A4}"/>
+              </a:ext>
+            </a:extLst>
+          </p:cNvPr>
+          <p:cNvGraphicFramePr>
+            <a:graphicFrameLocks noChangeAspect="1"/>
+          </p:cNvGraphicFramePr>
+          <p:nvPr>
+            <p:extLst>
+              <p:ext uri="{D42A27DB-BD31-4B8C-83A1-F6EECF244321}">
+                <p14:modId xmlns:p14="http://schemas.microsoft.com/office/powerpoint/2010/main" val="2335473904"/>
+              </p:ext>
+            </p:extLst>
+          </p:nvPr>
+        </p:nvGraphicFramePr>
+        <p:xfrm>
+          <a:off x="4644008" y="2241787"/>
+          <a:ext cx="4372260" cy="3257550"/>
+        </p:xfrm>
+        <a:graphic>
+          <a:graphicData uri="http://schemas.openxmlformats.org/presentationml/2006/ole">
+            <mc:AlternateContent xmlns:mc="http://schemas.openxmlformats.org/markup-compatibility/2006">
+              <mc:Choice xmlns:v="urn:schemas-microsoft-com:vml" Requires="v">
+                <p:oleObj name="Worksheet" r:id="rId4" imgW="3848138" imgH="2866889" progId="Excel.Sheet.12">
+                  <p:link updateAutomatic="1"/>
+                </p:oleObj>
+              </mc:Choice>
+              <mc:Fallback>
+                <p:oleObj name="Worksheet" r:id="rId4" imgW="3848138" imgH="2866889" progId="Excel.Sheet.12">
+                  <p:link updateAutomatic="1"/>
+                  <p:pic>
+                    <p:nvPicPr>
+                      <p:cNvPr id="0" name=""/>
+                      <p:cNvPicPr/>
+                      <p:nvPr/>
+                    </p:nvPicPr>
+                    <p:blipFill>
+                      <a:blip r:embed="rId5"/>
+                      <a:stretch>
+                        <a:fillRect/>
+                      </a:stretch>
+                    </p:blipFill>
+                    <p:spPr>
+                      <a:xfrm>
+                        <a:off x="4644008" y="2241787"/>
+                        <a:ext cx="4372260" cy="3257550"/>
+                      </a:xfrm>
+                      <a:prstGeom prst="rect">
+                        <a:avLst/>
+                      </a:prstGeom>
+                    </p:spPr>
+                  </p:pic>
+                </p:oleObj>
+              </mc:Fallback>
+            </mc:AlternateContent>
+          </a:graphicData>
+        </a:graphic>
+      </p:graphicFrame>
+    </p:spTree>
+  </p:cSld>
+  <p:clrMapOvr>
+    <a:masterClrMapping/>
+  </p:clrMapOvr>
+</p:sld>
+</file>
+
+<file path=ppt/slides/slide8.xml><?xml version="1.0" encoding="utf-8"?>
+<p:sld xmlns:a="http://schemas.openxmlformats.org/drawingml/2006/main" xmlns:r="http://schemas.openxmlformats.org/officeDocument/2006/relationships" xmlns:p="http://schemas.openxmlformats.org/presentationml/2006/main">
+  <p:cSld>
+    <p:spTree>
+      <p:nvGrpSpPr>
+        <p:cNvPr id="1" name=""/>
+        <p:cNvGrpSpPr/>
+        <p:nvPr/>
+      </p:nvGrpSpPr>
+      <p:grpSpPr>
+        <a:xfrm>
+          <a:off x="0" y="0"/>
+          <a:ext cx="0" cy="0"/>
+          <a:chOff x="0" y="0"/>
+          <a:chExt cx="0" cy="0"/>
+        </a:xfrm>
+      </p:grpSpPr>
       <p:sp>
         <p:nvSpPr>
-          <p:cNvPr id="13315" name="Rectangle 3"/>
-          <p:cNvSpPr>
-            <a:spLocks noGrp="1" noChangeArrowheads="1"/>
-          </p:cNvSpPr>
-          <p:nvPr>
-            <p:ph type="body" idx="1"/>
-          </p:nvPr>
+          <p:cNvPr id="4" name="CuadroTexto 3">
+            <a:extLst>
+              <a:ext uri="{FF2B5EF4-FFF2-40B4-BE49-F238E27FC236}">
+                <a16:creationId xmlns:a16="http://schemas.microsoft.com/office/drawing/2014/main" id="{EB284724-F0DC-8600-0570-7704BC268BC6}"/>
+              </a:ext>
+            </a:extLst>
+          </p:cNvPr>
+          <p:cNvSpPr txBox="1"/>
+          <p:nvPr/>
         </p:nvSpPr>
-        <p:spPr/>
+        <p:spPr>
+          <a:xfrm>
+            <a:off x="539553" y="692696"/>
+            <a:ext cx="7920880" cy="5355312"/>
+          </a:xfrm>
+          <a:prstGeom prst="rect">
+            <a:avLst/>
+          </a:prstGeom>
+          <a:noFill/>
+        </p:spPr>
         <p:txBody>
-          <a:bodyPr/>
+          <a:bodyPr wrap="square" rtlCol="0">
+            <a:spAutoFit/>
+          </a:bodyPr>
           <a:lstStyle/>
           <a:p>
-            <a:endParaRPr lang="es-AR"/>
+            <a:r>
+              <a:rPr lang="es-AR" dirty="0"/>
+              <a:t>En la diapositiva 7 de MEGA-MEDIOS vemos reflejados los cambios que se hacen en el Excel ya que las tablas están vinculadas.</a:t>
+            </a:r>
+          </a:p>
+          <a:p>
+            <a:endParaRPr lang="es-AR" dirty="0"/>
+          </a:p>
+          <a:p>
+            <a:r>
+              <a:rPr lang="es-AR" dirty="0"/>
+              <a:t>Los graficos de la diapositiva 3 y su tabla no cambiaran ya que fueron incrustados por lo cual no reflejaran cambio alguno.</a:t>
+            </a:r>
+          </a:p>
+          <a:p>
+            <a:endParaRPr lang="es-AR" dirty="0"/>
+          </a:p>
+          <a:p>
+            <a:r>
+              <a:rPr lang="es-AR" dirty="0"/>
+              <a:t>En el archivo MINUTA DE NOTICIAS se pueden apreciar los cambios ya que todos los elementos han sido vinculados.</a:t>
+            </a:r>
+          </a:p>
+          <a:p>
+            <a:endParaRPr lang="es-AR" dirty="0"/>
+          </a:p>
+          <a:p>
+            <a:r>
+              <a:rPr lang="es-AR" dirty="0"/>
+              <a:t>Si borrara el grafico circular en complemento MEGA.xlsx en el Word nose podría actualizar más el vínculo ya que también se borraría, y si se borra alguno de los graficos de ULTIMOMOMENTO.xlsx solo permanecerá en el PowerPoint los que hayan sido incrustados.</a:t>
+            </a:r>
+          </a:p>
+          <a:p>
+            <a:endParaRPr lang="es-AR" dirty="0"/>
+          </a:p>
+          <a:p>
+            <a:r>
+              <a:rPr lang="es-AR" dirty="0"/>
+              <a:t>Si quiero enviar el archivo MINUTADENOTICIAS.docx por email con graficos vinculados el director podría observar toda la informacion </a:t>
+            </a:r>
+            <a:r>
+              <a:rPr lang="es-AR"/>
+              <a:t>sin inconvenientes </a:t>
+            </a:r>
+            <a:r>
+              <a:rPr lang="es-AR" dirty="0"/>
+              <a:t>sin que yo tuviera </a:t>
+            </a:r>
+            <a:r>
+              <a:rPr lang="es-AR"/>
+              <a:t>que enviarle </a:t>
+            </a:r>
+            <a:r>
+              <a:rPr lang="es-AR" dirty="0"/>
+              <a:t>archivos adicionales.</a:t>
+            </a:r>
+            <a:endParaRPr lang="en-US" dirty="0"/>
           </a:p>
         </p:txBody>
       </p:sp>
     </p:spTree>
+    <p:extLst>
+      <p:ext uri="{BB962C8B-B14F-4D97-AF65-F5344CB8AC3E}">
+        <p14:creationId xmlns:p14="http://schemas.microsoft.com/office/powerpoint/2010/main" val="1342683306"/>
+      </p:ext>
+    </p:extLst>
   </p:cSld>
   <p:clrMapOvr>
     <a:masterClrMapping/>
